--- a/ITI/TF/Volume1/media/Figure_10.3-4.pptx
+++ b/ITI/TF/Volume1/media/Figure_10.3-4.pptx
@@ -104,6 +104,11 @@
       </a:defRPr>
     </a:lvl9pPr>
   </p:defaultTextStyle>
+  <p:extLst>
+    <p:ext uri="{EFAFB233-063F-42B5-8137-9DF3F51BA10A}">
+      <p15:sldGuideLst xmlns:p15="http://schemas.microsoft.com/office/powerpoint/2012/main"/>
+    </p:ext>
+  </p:extLst>
 </p:presentation>
 </file>
 
@@ -254,7 +259,7 @@
           <a:p>
             <a:fld id="{AE3A60F0-CDF4-6D4C-A35E-979BAA82AB75}" type="datetimeFigureOut">
               <a:rPr lang="en-US" smtClean="0"/>
-              <a:t>8/10/20</a:t>
+              <a:t>8/26/20</a:t>
             </a:fld>
             <a:endParaRPr lang="en-US"/>
           </a:p>
@@ -452,7 +457,7 @@
           <a:p>
             <a:fld id="{AE3A60F0-CDF4-6D4C-A35E-979BAA82AB75}" type="datetimeFigureOut">
               <a:rPr lang="en-US" smtClean="0"/>
-              <a:t>8/10/20</a:t>
+              <a:t>8/26/20</a:t>
             </a:fld>
             <a:endParaRPr lang="en-US"/>
           </a:p>
@@ -660,7 +665,7 @@
           <a:p>
             <a:fld id="{AE3A60F0-CDF4-6D4C-A35E-979BAA82AB75}" type="datetimeFigureOut">
               <a:rPr lang="en-US" smtClean="0"/>
-              <a:t>8/10/20</a:t>
+              <a:t>8/26/20</a:t>
             </a:fld>
             <a:endParaRPr lang="en-US"/>
           </a:p>
@@ -858,7 +863,7 @@
           <a:p>
             <a:fld id="{AE3A60F0-CDF4-6D4C-A35E-979BAA82AB75}" type="datetimeFigureOut">
               <a:rPr lang="en-US" smtClean="0"/>
-              <a:t>8/10/20</a:t>
+              <a:t>8/26/20</a:t>
             </a:fld>
             <a:endParaRPr lang="en-US"/>
           </a:p>
@@ -1133,7 +1138,7 @@
           <a:p>
             <a:fld id="{AE3A60F0-CDF4-6D4C-A35E-979BAA82AB75}" type="datetimeFigureOut">
               <a:rPr lang="en-US" smtClean="0"/>
-              <a:t>8/10/20</a:t>
+              <a:t>8/26/20</a:t>
             </a:fld>
             <a:endParaRPr lang="en-US"/>
           </a:p>
@@ -1398,7 +1403,7 @@
           <a:p>
             <a:fld id="{AE3A60F0-CDF4-6D4C-A35E-979BAA82AB75}" type="datetimeFigureOut">
               <a:rPr lang="en-US" smtClean="0"/>
-              <a:t>8/10/20</a:t>
+              <a:t>8/26/20</a:t>
             </a:fld>
             <a:endParaRPr lang="en-US"/>
           </a:p>
@@ -1810,7 +1815,7 @@
           <a:p>
             <a:fld id="{AE3A60F0-CDF4-6D4C-A35E-979BAA82AB75}" type="datetimeFigureOut">
               <a:rPr lang="en-US" smtClean="0"/>
-              <a:t>8/10/20</a:t>
+              <a:t>8/26/20</a:t>
             </a:fld>
             <a:endParaRPr lang="en-US"/>
           </a:p>
@@ -1951,7 +1956,7 @@
           <a:p>
             <a:fld id="{AE3A60F0-CDF4-6D4C-A35E-979BAA82AB75}" type="datetimeFigureOut">
               <a:rPr lang="en-US" smtClean="0"/>
-              <a:t>8/10/20</a:t>
+              <a:t>8/26/20</a:t>
             </a:fld>
             <a:endParaRPr lang="en-US"/>
           </a:p>
@@ -2064,7 +2069,7 @@
           <a:p>
             <a:fld id="{AE3A60F0-CDF4-6D4C-A35E-979BAA82AB75}" type="datetimeFigureOut">
               <a:rPr lang="en-US" smtClean="0"/>
-              <a:t>8/10/20</a:t>
+              <a:t>8/26/20</a:t>
             </a:fld>
             <a:endParaRPr lang="en-US"/>
           </a:p>
@@ -2375,7 +2380,7 @@
           <a:p>
             <a:fld id="{AE3A60F0-CDF4-6D4C-A35E-979BAA82AB75}" type="datetimeFigureOut">
               <a:rPr lang="en-US" smtClean="0"/>
-              <a:t>8/10/20</a:t>
+              <a:t>8/26/20</a:t>
             </a:fld>
             <a:endParaRPr lang="en-US"/>
           </a:p>
@@ -2663,7 +2668,7 @@
           <a:p>
             <a:fld id="{AE3A60F0-CDF4-6D4C-A35E-979BAA82AB75}" type="datetimeFigureOut">
               <a:rPr lang="en-US" smtClean="0"/>
-              <a:t>8/10/20</a:t>
+              <a:t>8/26/20</a:t>
             </a:fld>
             <a:endParaRPr lang="en-US"/>
           </a:p>
@@ -2904,7 +2909,7 @@
           <a:p>
             <a:fld id="{AE3A60F0-CDF4-6D4C-A35E-979BAA82AB75}" type="datetimeFigureOut">
               <a:rPr lang="en-US" smtClean="0"/>
-              <a:t>8/10/20</a:t>
+              <a:t>8/26/20</a:t>
             </a:fld>
             <a:endParaRPr lang="en-US"/>
           </a:p>
@@ -4089,8 +4094,8 @@
         </p:nvSpPr>
         <p:spPr bwMode="auto">
           <a:xfrm>
-            <a:off x="2098675" y="1290638"/>
-            <a:ext cx="1104900" cy="260350"/>
+            <a:off x="1683834" y="1290638"/>
+            <a:ext cx="1519741" cy="257160"/>
           </a:xfrm>
           <a:prstGeom prst="rect">
             <a:avLst/>
@@ -4144,7 +4149,7 @@
               <a:tabLst/>
             </a:pPr>
             <a:r>
-              <a:rPr kumimoji="0" lang="en-US" altLang="en-US" sz="800" b="0" i="0" u="none" strike="noStrike" cap="none" normalizeH="0" baseline="0">
+              <a:rPr kumimoji="0" lang="en-US" altLang="en-US" sz="800" b="0" i="0" u="none" strike="noStrike" cap="none" normalizeH="0" baseline="0" dirty="0">
                 <a:ln>
                   <a:noFill/>
                 </a:ln>
@@ -4157,7 +4162,7 @@
               </a:rPr>
               <a:t>1. Query Documents</a:t>
             </a:r>
-            <a:endParaRPr kumimoji="0" lang="en-US" altLang="en-US" sz="1800" b="0" i="0" u="none" strike="noStrike" cap="none" normalizeH="0" baseline="0">
+            <a:endParaRPr kumimoji="0" lang="en-US" altLang="en-US" sz="1800" b="0" i="0" u="none" strike="noStrike" cap="none" normalizeH="0" baseline="0" dirty="0">
               <a:ln>
                 <a:noFill/>
               </a:ln>

--- a/ITI/TF/Volume1/media/Figure_10.3-4.pptx
+++ b/ITI/TF/Volume1/media/Figure_10.3-4.pptx
@@ -104,6 +104,11 @@
       </a:defRPr>
     </a:lvl9pPr>
   </p:defaultTextStyle>
+  <p:extLst>
+    <p:ext uri="{EFAFB233-063F-42B5-8137-9DF3F51BA10A}">
+      <p15:sldGuideLst xmlns:p15="http://schemas.microsoft.com/office/powerpoint/2012/main"/>
+    </p:ext>
+  </p:extLst>
 </p:presentation>
 </file>
 
@@ -254,7 +259,7 @@
           <a:p>
             <a:fld id="{AE3A60F0-CDF4-6D4C-A35E-979BAA82AB75}" type="datetimeFigureOut">
               <a:rPr lang="en-US" smtClean="0"/>
-              <a:t>8/10/20</a:t>
+              <a:t>8/26/2020</a:t>
             </a:fld>
             <a:endParaRPr lang="en-US"/>
           </a:p>
@@ -452,7 +457,7 @@
           <a:p>
             <a:fld id="{AE3A60F0-CDF4-6D4C-A35E-979BAA82AB75}" type="datetimeFigureOut">
               <a:rPr lang="en-US" smtClean="0"/>
-              <a:t>8/10/20</a:t>
+              <a:t>8/26/2020</a:t>
             </a:fld>
             <a:endParaRPr lang="en-US"/>
           </a:p>
@@ -660,7 +665,7 @@
           <a:p>
             <a:fld id="{AE3A60F0-CDF4-6D4C-A35E-979BAA82AB75}" type="datetimeFigureOut">
               <a:rPr lang="en-US" smtClean="0"/>
-              <a:t>8/10/20</a:t>
+              <a:t>8/26/2020</a:t>
             </a:fld>
             <a:endParaRPr lang="en-US"/>
           </a:p>
@@ -858,7 +863,7 @@
           <a:p>
             <a:fld id="{AE3A60F0-CDF4-6D4C-A35E-979BAA82AB75}" type="datetimeFigureOut">
               <a:rPr lang="en-US" smtClean="0"/>
-              <a:t>8/10/20</a:t>
+              <a:t>8/26/2020</a:t>
             </a:fld>
             <a:endParaRPr lang="en-US"/>
           </a:p>
@@ -1133,7 +1138,7 @@
           <a:p>
             <a:fld id="{AE3A60F0-CDF4-6D4C-A35E-979BAA82AB75}" type="datetimeFigureOut">
               <a:rPr lang="en-US" smtClean="0"/>
-              <a:t>8/10/20</a:t>
+              <a:t>8/26/2020</a:t>
             </a:fld>
             <a:endParaRPr lang="en-US"/>
           </a:p>
@@ -1398,7 +1403,7 @@
           <a:p>
             <a:fld id="{AE3A60F0-CDF4-6D4C-A35E-979BAA82AB75}" type="datetimeFigureOut">
               <a:rPr lang="en-US" smtClean="0"/>
-              <a:t>8/10/20</a:t>
+              <a:t>8/26/2020</a:t>
             </a:fld>
             <a:endParaRPr lang="en-US"/>
           </a:p>
@@ -1810,7 +1815,7 @@
           <a:p>
             <a:fld id="{AE3A60F0-CDF4-6D4C-A35E-979BAA82AB75}" type="datetimeFigureOut">
               <a:rPr lang="en-US" smtClean="0"/>
-              <a:t>8/10/20</a:t>
+              <a:t>8/26/2020</a:t>
             </a:fld>
             <a:endParaRPr lang="en-US"/>
           </a:p>
@@ -1951,7 +1956,7 @@
           <a:p>
             <a:fld id="{AE3A60F0-CDF4-6D4C-A35E-979BAA82AB75}" type="datetimeFigureOut">
               <a:rPr lang="en-US" smtClean="0"/>
-              <a:t>8/10/20</a:t>
+              <a:t>8/26/2020</a:t>
             </a:fld>
             <a:endParaRPr lang="en-US"/>
           </a:p>
@@ -2064,7 +2069,7 @@
           <a:p>
             <a:fld id="{AE3A60F0-CDF4-6D4C-A35E-979BAA82AB75}" type="datetimeFigureOut">
               <a:rPr lang="en-US" smtClean="0"/>
-              <a:t>8/10/20</a:t>
+              <a:t>8/26/2020</a:t>
             </a:fld>
             <a:endParaRPr lang="en-US"/>
           </a:p>
@@ -2375,7 +2380,7 @@
           <a:p>
             <a:fld id="{AE3A60F0-CDF4-6D4C-A35E-979BAA82AB75}" type="datetimeFigureOut">
               <a:rPr lang="en-US" smtClean="0"/>
-              <a:t>8/10/20</a:t>
+              <a:t>8/26/2020</a:t>
             </a:fld>
             <a:endParaRPr lang="en-US"/>
           </a:p>
@@ -2663,7 +2668,7 @@
           <a:p>
             <a:fld id="{AE3A60F0-CDF4-6D4C-A35E-979BAA82AB75}" type="datetimeFigureOut">
               <a:rPr lang="en-US" smtClean="0"/>
-              <a:t>8/10/20</a:t>
+              <a:t>8/26/2020</a:t>
             </a:fld>
             <a:endParaRPr lang="en-US"/>
           </a:p>
@@ -2904,7 +2909,7 @@
           <a:p>
             <a:fld id="{AE3A60F0-CDF4-6D4C-A35E-979BAA82AB75}" type="datetimeFigureOut">
               <a:rPr lang="en-US" smtClean="0"/>
-              <a:t>8/10/20</a:t>
+              <a:t>8/26/2020</a:t>
             </a:fld>
             <a:endParaRPr lang="en-US"/>
           </a:p>
@@ -3321,78 +3326,113 @@
           <a:chExt cx="0" cy="0"/>
         </a:xfrm>
       </p:grpSpPr>
-      <p:sp>
-        <p:nvSpPr>
-          <p:cNvPr id="4" name="Text Box 19">
-            <a:extLst>
-              <a:ext uri="{FF2B5EF4-FFF2-40B4-BE49-F238E27FC236}">
-                <a16:creationId xmlns:a16="http://schemas.microsoft.com/office/drawing/2014/main" id="{9A8659A9-AC4A-DB4D-B0CD-FAC2235D45CC}"/>
-              </a:ext>
-            </a:extLst>
-          </p:cNvPr>
-          <p:cNvSpPr txBox="1">
-            <a:spLocks noChangeArrowheads="1"/>
-          </p:cNvSpPr>
+      <p:grpSp>
+        <p:nvGrpSpPr>
+          <p:cNvPr id="2" name="Group 1">
+            <a:extLst>
+              <a:ext uri="{FF2B5EF4-FFF2-40B4-BE49-F238E27FC236}">
+                <a16:creationId xmlns:a16="http://schemas.microsoft.com/office/drawing/2014/main" id="{CB2A6238-95A5-4D4A-BCF0-640D8A0F2025}"/>
+              </a:ext>
+            </a:extLst>
+          </p:cNvPr>
+          <p:cNvGrpSpPr>
+            <a:grpSpLocks noChangeAspect="1"/>
+          </p:cNvGrpSpPr>
           <p:nvPr/>
-        </p:nvSpPr>
-        <p:spPr bwMode="auto">
+        </p:nvGrpSpPr>
+        <p:grpSpPr>
           <a:xfrm>
-            <a:off x="600075" y="1828800"/>
-            <a:ext cx="2682875" cy="260350"/>
+            <a:off x="488949" y="495300"/>
+            <a:ext cx="11201589" cy="5382986"/>
+            <a:chOff x="1588" y="457200"/>
+            <a:chExt cx="5715000" cy="2746375"/>
           </a:xfrm>
-          <a:prstGeom prst="rect">
-            <a:avLst/>
-          </a:prstGeom>
-          <a:noFill/>
-          <a:ln>
+        </p:grpSpPr>
+        <p:sp>
+          <p:nvSpPr>
+            <p:cNvPr id="4" name="Text Box 19">
+              <a:extLst>
+                <a:ext uri="{FF2B5EF4-FFF2-40B4-BE49-F238E27FC236}">
+                  <a16:creationId xmlns:a16="http://schemas.microsoft.com/office/drawing/2014/main" id="{9A8659A9-AC4A-DB4D-B0CD-FAC2235D45CC}"/>
+                </a:ext>
+              </a:extLst>
+            </p:cNvPr>
+            <p:cNvSpPr txBox="1">
+              <a:spLocks noChangeArrowheads="1"/>
+            </p:cNvSpPr>
+            <p:nvPr/>
+          </p:nvSpPr>
+          <p:spPr bwMode="auto">
+            <a:xfrm>
+              <a:off x="600075" y="1828800"/>
+              <a:ext cx="2682875" cy="260350"/>
+            </a:xfrm>
+            <a:prstGeom prst="rect">
+              <a:avLst/>
+            </a:prstGeom>
             <a:noFill/>
-          </a:ln>
-          <a:extLst>
-            <a:ext uri="{909E8E84-426E-40DD-AFC4-6F175D3DCCD1}">
-              <a14:hiddenFill xmlns:a14="http://schemas.microsoft.com/office/drawing/2010/main">
-                <a:solidFill>
-                  <a:srgbClr val="FFFFFF"/>
-                </a:solidFill>
-              </a14:hiddenFill>
-            </a:ext>
-            <a:ext uri="{91240B29-F687-4F45-9708-019B960494DF}">
-              <a14:hiddenLine xmlns:a14="http://schemas.microsoft.com/office/drawing/2010/main" w="9525">
-                <a:solidFill>
-                  <a:srgbClr val="000000"/>
-                </a:solidFill>
-                <a:miter lim="800000"/>
-                <a:headEnd/>
-                <a:tailEnd/>
-              </a14:hiddenLine>
-            </a:ext>
-          </a:extLst>
-        </p:spPr>
-        <p:txBody>
-          <a:bodyPr vert="horz" wrap="square" lIns="91440" tIns="45720" rIns="91440" bIns="45720" numCol="1" anchor="t" anchorCtr="0" compatLnSpc="1">
-            <a:prstTxWarp prst="textNoShape">
-              <a:avLst/>
-            </a:prstTxWarp>
-          </a:bodyPr>
-          <a:lstStyle/>
-          <a:p>
-            <a:pPr marL="0" marR="0" lvl="0" indent="0" algn="ctr" defTabSz="914400" rtl="0" eaLnBrk="0" fontAlgn="base" latinLnBrk="0" hangingPunct="0">
-              <a:lnSpc>
-                <a:spcPct val="100000"/>
-              </a:lnSpc>
-              <a:spcBef>
-                <a:spcPct val="0"/>
-              </a:spcBef>
-              <a:spcAft>
-                <a:spcPct val="0"/>
-              </a:spcAft>
-              <a:buClrTx/>
-              <a:buSzTx/>
-              <a:buFontTx/>
-              <a:buNone/>
-              <a:tabLst/>
-            </a:pPr>
-            <a:r>
-              <a:rPr kumimoji="0" lang="en-US" altLang="en-US" sz="800" b="0" i="0" u="none" strike="noStrike" cap="none" normalizeH="0" baseline="0">
+            <a:ln>
+              <a:noFill/>
+            </a:ln>
+            <a:extLst>
+              <a:ext uri="{909E8E84-426E-40DD-AFC4-6F175D3DCCD1}">
+                <a14:hiddenFill xmlns:a14="http://schemas.microsoft.com/office/drawing/2010/main">
+                  <a:solidFill>
+                    <a:srgbClr val="FFFFFF"/>
+                  </a:solidFill>
+                </a14:hiddenFill>
+              </a:ext>
+              <a:ext uri="{91240B29-F687-4F45-9708-019B960494DF}">
+                <a14:hiddenLine xmlns:a14="http://schemas.microsoft.com/office/drawing/2010/main" w="9525">
+                  <a:solidFill>
+                    <a:srgbClr val="000000"/>
+                  </a:solidFill>
+                  <a:miter lim="800000"/>
+                  <a:headEnd/>
+                  <a:tailEnd/>
+                </a14:hiddenLine>
+              </a:ext>
+            </a:extLst>
+          </p:spPr>
+          <p:txBody>
+            <a:bodyPr vert="horz" wrap="square" lIns="91440" tIns="45720" rIns="91440" bIns="45720" numCol="1" anchor="t" anchorCtr="0" compatLnSpc="1">
+              <a:prstTxWarp prst="textNoShape">
+                <a:avLst/>
+              </a:prstTxWarp>
+            </a:bodyPr>
+            <a:lstStyle/>
+            <a:p>
+              <a:pPr marL="0" marR="0" lvl="0" indent="0" algn="ctr" defTabSz="914400" rtl="0" eaLnBrk="0" fontAlgn="base" latinLnBrk="0" hangingPunct="0">
+                <a:lnSpc>
+                  <a:spcPct val="100000"/>
+                </a:lnSpc>
+                <a:spcBef>
+                  <a:spcPct val="0"/>
+                </a:spcBef>
+                <a:spcAft>
+                  <a:spcPct val="0"/>
+                </a:spcAft>
+                <a:buClrTx/>
+                <a:buSzTx/>
+                <a:buFontTx/>
+                <a:buNone/>
+                <a:tabLst/>
+              </a:pPr>
+              <a:r>
+                <a:rPr kumimoji="0" lang="en-US" altLang="en-US" sz="1600" b="0" i="0" u="none" strike="noStrike" cap="none" normalizeH="0" baseline="0">
+                  <a:ln>
+                    <a:noFill/>
+                  </a:ln>
+                  <a:solidFill>
+                    <a:schemeClr val="tx1"/>
+                  </a:solidFill>
+                  <a:effectLst/>
+                  <a:latin typeface="Arial" panose="020B0604020202020204" pitchFamily="34" charset="0"/>
+                  <a:ea typeface="Times New Roman" panose="02020603050405020304" pitchFamily="18" charset="0"/>
+                </a:rPr>
+                <a:t>2. Retrieve Document</a:t>
+              </a:r>
+              <a:endParaRPr kumimoji="0" lang="en-US" altLang="en-US" sz="4400" b="0" i="0" u="none" strike="noStrike" cap="none" normalizeH="0" baseline="0">
                 <a:ln>
                   <a:noFill/>
                 </a:ln>
@@ -3401,95 +3441,95 @@
                 </a:solidFill>
                 <a:effectLst/>
                 <a:latin typeface="Arial" panose="020B0604020202020204" pitchFamily="34" charset="0"/>
-                <a:ea typeface="Times New Roman" panose="02020603050405020304" pitchFamily="18" charset="0"/>
-              </a:rPr>
-              <a:t>2. Retrieve Document</a:t>
-            </a:r>
-            <a:endParaRPr kumimoji="0" lang="en-US" altLang="en-US" sz="1800" b="0" i="0" u="none" strike="noStrike" cap="none" normalizeH="0" baseline="0">
-              <a:ln>
-                <a:noFill/>
-              </a:ln>
-              <a:solidFill>
-                <a:schemeClr val="tx1"/>
-              </a:solidFill>
-              <a:effectLst/>
-              <a:latin typeface="Arial" panose="020B0604020202020204" pitchFamily="34" charset="0"/>
-            </a:endParaRPr>
-          </a:p>
-        </p:txBody>
-      </p:sp>
-      <p:sp>
-        <p:nvSpPr>
-          <p:cNvPr id="5" name="Text Box 18">
-            <a:extLst>
-              <a:ext uri="{FF2B5EF4-FFF2-40B4-BE49-F238E27FC236}">
-                <a16:creationId xmlns:a16="http://schemas.microsoft.com/office/drawing/2014/main" id="{F2BC79F3-DEB1-2E46-B425-56316142B379}"/>
-              </a:ext>
-            </a:extLst>
-          </p:cNvPr>
-          <p:cNvSpPr txBox="1">
-            <a:spLocks noChangeArrowheads="1"/>
-          </p:cNvSpPr>
-          <p:nvPr/>
-        </p:nvSpPr>
-        <p:spPr bwMode="auto">
-          <a:xfrm>
-            <a:off x="600075" y="2197100"/>
-            <a:ext cx="3487738" cy="260350"/>
-          </a:xfrm>
-          <a:prstGeom prst="rect">
-            <a:avLst/>
-          </a:prstGeom>
-          <a:noFill/>
-          <a:ln>
+              </a:endParaRPr>
+            </a:p>
+          </p:txBody>
+        </p:sp>
+        <p:sp>
+          <p:nvSpPr>
+            <p:cNvPr id="5" name="Text Box 18">
+              <a:extLst>
+                <a:ext uri="{FF2B5EF4-FFF2-40B4-BE49-F238E27FC236}">
+                  <a16:creationId xmlns:a16="http://schemas.microsoft.com/office/drawing/2014/main" id="{F2BC79F3-DEB1-2E46-B425-56316142B379}"/>
+                </a:ext>
+              </a:extLst>
+            </p:cNvPr>
+            <p:cNvSpPr txBox="1">
+              <a:spLocks noChangeArrowheads="1"/>
+            </p:cNvSpPr>
+            <p:nvPr/>
+          </p:nvSpPr>
+          <p:spPr bwMode="auto">
+            <a:xfrm>
+              <a:off x="600075" y="2197100"/>
+              <a:ext cx="3487738" cy="260350"/>
+            </a:xfrm>
+            <a:prstGeom prst="rect">
+              <a:avLst/>
+            </a:prstGeom>
             <a:noFill/>
-          </a:ln>
-          <a:extLst>
-            <a:ext uri="{909E8E84-426E-40DD-AFC4-6F175D3DCCD1}">
-              <a14:hiddenFill xmlns:a14="http://schemas.microsoft.com/office/drawing/2010/main">
-                <a:solidFill>
-                  <a:srgbClr val="FFFFFF"/>
-                </a:solidFill>
-              </a14:hiddenFill>
-            </a:ext>
-            <a:ext uri="{91240B29-F687-4F45-9708-019B960494DF}">
-              <a14:hiddenLine xmlns:a14="http://schemas.microsoft.com/office/drawing/2010/main" w="9525">
-                <a:solidFill>
-                  <a:srgbClr val="000000"/>
-                </a:solidFill>
-                <a:miter lim="800000"/>
-                <a:headEnd/>
-                <a:tailEnd/>
-              </a14:hiddenLine>
-            </a:ext>
-          </a:extLst>
-        </p:spPr>
-        <p:txBody>
-          <a:bodyPr vert="horz" wrap="square" lIns="91440" tIns="45720" rIns="91440" bIns="45720" numCol="1" anchor="t" anchorCtr="0" compatLnSpc="1">
-            <a:prstTxWarp prst="textNoShape">
-              <a:avLst/>
-            </a:prstTxWarp>
-          </a:bodyPr>
-          <a:lstStyle/>
-          <a:p>
-            <a:pPr marL="0" marR="0" lvl="0" indent="0" algn="ctr" defTabSz="914400" rtl="0" eaLnBrk="0" fontAlgn="base" latinLnBrk="0" hangingPunct="0">
-              <a:lnSpc>
-                <a:spcPct val="100000"/>
-              </a:lnSpc>
-              <a:spcBef>
-                <a:spcPct val="0"/>
-              </a:spcBef>
-              <a:spcAft>
-                <a:spcPct val="0"/>
-              </a:spcAft>
-              <a:buClrTx/>
-              <a:buSzTx/>
-              <a:buFontTx/>
-              <a:buNone/>
-              <a:tabLst/>
-            </a:pPr>
-            <a:r>
-              <a:rPr kumimoji="0" lang="en-US" altLang="en-US" sz="800" b="0" i="0" u="none" strike="noStrike" cap="none" normalizeH="0" baseline="0">
+            <a:ln>
+              <a:noFill/>
+            </a:ln>
+            <a:extLst>
+              <a:ext uri="{909E8E84-426E-40DD-AFC4-6F175D3DCCD1}">
+                <a14:hiddenFill xmlns:a14="http://schemas.microsoft.com/office/drawing/2010/main">
+                  <a:solidFill>
+                    <a:srgbClr val="FFFFFF"/>
+                  </a:solidFill>
+                </a14:hiddenFill>
+              </a:ext>
+              <a:ext uri="{91240B29-F687-4F45-9708-019B960494DF}">
+                <a14:hiddenLine xmlns:a14="http://schemas.microsoft.com/office/drawing/2010/main" w="9525">
+                  <a:solidFill>
+                    <a:srgbClr val="000000"/>
+                  </a:solidFill>
+                  <a:miter lim="800000"/>
+                  <a:headEnd/>
+                  <a:tailEnd/>
+                </a14:hiddenLine>
+              </a:ext>
+            </a:extLst>
+          </p:spPr>
+          <p:txBody>
+            <a:bodyPr vert="horz" wrap="square" lIns="91440" tIns="45720" rIns="91440" bIns="45720" numCol="1" anchor="t" anchorCtr="0" compatLnSpc="1">
+              <a:prstTxWarp prst="textNoShape">
+                <a:avLst/>
+              </a:prstTxWarp>
+            </a:bodyPr>
+            <a:lstStyle/>
+            <a:p>
+              <a:pPr marL="0" marR="0" lvl="0" indent="0" algn="ctr" defTabSz="914400" rtl="0" eaLnBrk="0" fontAlgn="base" latinLnBrk="0" hangingPunct="0">
+                <a:lnSpc>
+                  <a:spcPct val="100000"/>
+                </a:lnSpc>
+                <a:spcBef>
+                  <a:spcPct val="0"/>
+                </a:spcBef>
+                <a:spcAft>
+                  <a:spcPct val="0"/>
+                </a:spcAft>
+                <a:buClrTx/>
+                <a:buSzTx/>
+                <a:buFontTx/>
+                <a:buNone/>
+                <a:tabLst/>
+              </a:pPr>
+              <a:r>
+                <a:rPr kumimoji="0" lang="en-US" altLang="en-US" sz="1600" b="0" i="0" u="none" strike="noStrike" cap="none" normalizeH="0" baseline="0">
+                  <a:ln>
+                    <a:noFill/>
+                  </a:ln>
+                  <a:solidFill>
+                    <a:schemeClr val="tx1"/>
+                  </a:solidFill>
+                  <a:effectLst/>
+                  <a:latin typeface="Arial" panose="020B0604020202020204" pitchFamily="34" charset="0"/>
+                  <a:ea typeface="Times New Roman" panose="02020603050405020304" pitchFamily="18" charset="0"/>
+                </a:rPr>
+                <a:t>2. Retrieve Document</a:t>
+              </a:r>
+              <a:endParaRPr kumimoji="0" lang="en-US" altLang="en-US" sz="4400" b="0" i="0" u="none" strike="noStrike" cap="none" normalizeH="0" baseline="0">
                 <a:ln>
                   <a:noFill/>
                 </a:ln>
@@ -3498,195 +3538,236 @@
                 </a:solidFill>
                 <a:effectLst/>
                 <a:latin typeface="Arial" panose="020B0604020202020204" pitchFamily="34" charset="0"/>
-                <a:ea typeface="Times New Roman" panose="02020603050405020304" pitchFamily="18" charset="0"/>
-              </a:rPr>
-              <a:t>2. Retrieve Document</a:t>
-            </a:r>
-            <a:endParaRPr kumimoji="0" lang="en-US" altLang="en-US" sz="1800" b="0" i="0" u="none" strike="noStrike" cap="none" normalizeH="0" baseline="0">
-              <a:ln>
-                <a:noFill/>
-              </a:ln>
+              </a:endParaRPr>
+            </a:p>
+          </p:txBody>
+        </p:sp>
+        <p:sp>
+          <p:nvSpPr>
+            <p:cNvPr id="6" name="Line 17">
+              <a:extLst>
+                <a:ext uri="{FF2B5EF4-FFF2-40B4-BE49-F238E27FC236}">
+                  <a16:creationId xmlns:a16="http://schemas.microsoft.com/office/drawing/2014/main" id="{0DFB4AC2-4FB3-F54C-8B82-70333146EB44}"/>
+                </a:ext>
+              </a:extLst>
+            </p:cNvPr>
+            <p:cNvSpPr>
+              <a:spLocks noChangeShapeType="1"/>
+            </p:cNvSpPr>
+            <p:nvPr/>
+          </p:nvSpPr>
+          <p:spPr bwMode="auto">
+            <a:xfrm flipH="1">
+              <a:off x="5141913" y="1319213"/>
+              <a:ext cx="0" cy="1651000"/>
+            </a:xfrm>
+            <a:prstGeom prst="line">
+              <a:avLst/>
+            </a:prstGeom>
+            <a:noFill/>
+            <a:ln w="9525">
               <a:solidFill>
-                <a:schemeClr val="tx1"/>
+                <a:srgbClr val="000000"/>
               </a:solidFill>
-              <a:effectLst/>
-              <a:latin typeface="Arial" panose="020B0604020202020204" pitchFamily="34" charset="0"/>
-            </a:endParaRPr>
-          </a:p>
-        </p:txBody>
-      </p:sp>
-      <p:sp>
-        <p:nvSpPr>
-          <p:cNvPr id="6" name="Line 17">
-            <a:extLst>
-              <a:ext uri="{FF2B5EF4-FFF2-40B4-BE49-F238E27FC236}">
-                <a16:creationId xmlns:a16="http://schemas.microsoft.com/office/drawing/2014/main" id="{0DFB4AC2-4FB3-F54C-8B82-70333146EB44}"/>
-              </a:ext>
-            </a:extLst>
-          </p:cNvPr>
-          <p:cNvSpPr>
-            <a:spLocks noChangeShapeType="1"/>
-          </p:cNvSpPr>
-          <p:nvPr/>
-        </p:nvSpPr>
-        <p:spPr bwMode="auto">
-          <a:xfrm flipH="1">
-            <a:off x="5141913" y="1319213"/>
-            <a:ext cx="0" cy="1651000"/>
-          </a:xfrm>
-          <a:prstGeom prst="line">
-            <a:avLst/>
-          </a:prstGeom>
-          <a:noFill/>
-          <a:ln w="9525">
+              <a:prstDash val="sysDot"/>
+              <a:round/>
+              <a:headEnd/>
+              <a:tailEnd/>
+            </a:ln>
+            <a:extLst>
+              <a:ext uri="{909E8E84-426E-40DD-AFC4-6F175D3DCCD1}">
+                <a14:hiddenFill xmlns:a14="http://schemas.microsoft.com/office/drawing/2010/main">
+                  <a:noFill/>
+                </a14:hiddenFill>
+              </a:ext>
+            </a:extLst>
+          </p:spPr>
+          <p:txBody>
+            <a:bodyPr vert="horz" wrap="square" lIns="91440" tIns="45720" rIns="91440" bIns="45720" numCol="1" anchor="t" anchorCtr="0" compatLnSpc="1">
+              <a:prstTxWarp prst="textNoShape">
+                <a:avLst/>
+              </a:prstTxWarp>
+            </a:bodyPr>
+            <a:lstStyle/>
+            <a:p>
+              <a:endParaRPr lang="en-US" sz="4400"/>
+            </a:p>
+          </p:txBody>
+        </p:sp>
+        <p:sp>
+          <p:nvSpPr>
+            <p:cNvPr id="7" name="Rectangle 16">
+              <a:extLst>
+                <a:ext uri="{FF2B5EF4-FFF2-40B4-BE49-F238E27FC236}">
+                  <a16:creationId xmlns:a16="http://schemas.microsoft.com/office/drawing/2014/main" id="{B124B177-4A13-4242-AAAC-C1870D5E756B}"/>
+                </a:ext>
+              </a:extLst>
+            </p:cNvPr>
+            <p:cNvSpPr>
+              <a:spLocks noChangeArrowheads="1"/>
+            </p:cNvSpPr>
+            <p:nvPr/>
+          </p:nvSpPr>
+          <p:spPr bwMode="auto">
+            <a:xfrm>
+              <a:off x="1588" y="457200"/>
+              <a:ext cx="5715000" cy="2746375"/>
+            </a:xfrm>
+            <a:prstGeom prst="rect">
+              <a:avLst/>
+            </a:prstGeom>
+            <a:noFill/>
+            <a:ln w="9525">
+              <a:solidFill>
+                <a:srgbClr val="000000"/>
+              </a:solidFill>
+              <a:miter lim="800000"/>
+              <a:headEnd/>
+              <a:tailEnd/>
+            </a:ln>
+            <a:extLst>
+              <a:ext uri="{909E8E84-426E-40DD-AFC4-6F175D3DCCD1}">
+                <a14:hiddenFill xmlns:a14="http://schemas.microsoft.com/office/drawing/2010/main">
+                  <a:solidFill>
+                    <a:srgbClr val="FFFFFF"/>
+                  </a:solidFill>
+                </a14:hiddenFill>
+              </a:ext>
+            </a:extLst>
+          </p:spPr>
+          <p:txBody>
+            <a:bodyPr vert="horz" wrap="square" lIns="91440" tIns="45720" rIns="91440" bIns="45720" numCol="1" anchor="t" anchorCtr="0" compatLnSpc="1">
+              <a:prstTxWarp prst="textNoShape">
+                <a:avLst/>
+              </a:prstTxWarp>
+            </a:bodyPr>
+            <a:lstStyle/>
+            <a:p>
+              <a:endParaRPr lang="en-US" sz="4400"/>
+            </a:p>
+          </p:txBody>
+        </p:sp>
+        <p:sp>
+          <p:nvSpPr>
+            <p:cNvPr id="8" name="Rectangle 15">
+              <a:extLst>
+                <a:ext uri="{FF2B5EF4-FFF2-40B4-BE49-F238E27FC236}">
+                  <a16:creationId xmlns:a16="http://schemas.microsoft.com/office/drawing/2014/main" id="{F3F6E545-69E9-7E47-87F2-7F871C17E628}"/>
+                </a:ext>
+              </a:extLst>
+            </p:cNvPr>
+            <p:cNvSpPr>
+              <a:spLocks noChangeArrowheads="1"/>
+            </p:cNvSpPr>
+            <p:nvPr/>
+          </p:nvSpPr>
+          <p:spPr bwMode="auto">
+            <a:xfrm>
+              <a:off x="4659313" y="685800"/>
+              <a:ext cx="874712" cy="633413"/>
+            </a:xfrm>
+            <a:prstGeom prst="rect">
+              <a:avLst/>
+            </a:prstGeom>
             <a:solidFill>
-              <a:srgbClr val="000000"/>
+              <a:srgbClr val="FFFFFF"/>
             </a:solidFill>
-            <a:prstDash val="sysDot"/>
-            <a:round/>
-            <a:headEnd/>
-            <a:tailEnd/>
-          </a:ln>
-          <a:extLst>
-            <a:ext uri="{909E8E84-426E-40DD-AFC4-6F175D3DCCD1}">
-              <a14:hiddenFill xmlns:a14="http://schemas.microsoft.com/office/drawing/2010/main">
-                <a:noFill/>
-              </a14:hiddenFill>
-            </a:ext>
-          </a:extLst>
-        </p:spPr>
-        <p:txBody>
-          <a:bodyPr vert="horz" wrap="square" lIns="91440" tIns="45720" rIns="91440" bIns="45720" numCol="1" anchor="t" anchorCtr="0" compatLnSpc="1">
-            <a:prstTxWarp prst="textNoShape">
-              <a:avLst/>
-            </a:prstTxWarp>
-          </a:bodyPr>
-          <a:lstStyle/>
-          <a:p>
-            <a:endParaRPr lang="en-US"/>
-          </a:p>
-        </p:txBody>
-      </p:sp>
-      <p:sp>
-        <p:nvSpPr>
-          <p:cNvPr id="7" name="Rectangle 16">
-            <a:extLst>
-              <a:ext uri="{FF2B5EF4-FFF2-40B4-BE49-F238E27FC236}">
-                <a16:creationId xmlns:a16="http://schemas.microsoft.com/office/drawing/2014/main" id="{B124B177-4A13-4242-AAAC-C1870D5E756B}"/>
-              </a:ext>
-            </a:extLst>
-          </p:cNvPr>
-          <p:cNvSpPr>
-            <a:spLocks noChangeArrowheads="1"/>
-          </p:cNvSpPr>
-          <p:nvPr/>
-        </p:nvSpPr>
-        <p:spPr bwMode="auto">
-          <a:xfrm>
-            <a:off x="1588" y="457200"/>
-            <a:ext cx="5715000" cy="2746375"/>
-          </a:xfrm>
-          <a:prstGeom prst="rect">
-            <a:avLst/>
-          </a:prstGeom>
-          <a:noFill/>
-          <a:ln w="9525">
-            <a:solidFill>
-              <a:srgbClr val="000000"/>
-            </a:solidFill>
-            <a:miter lim="800000"/>
-            <a:headEnd/>
-            <a:tailEnd/>
-          </a:ln>
-          <a:extLst>
-            <a:ext uri="{909E8E84-426E-40DD-AFC4-6F175D3DCCD1}">
-              <a14:hiddenFill xmlns:a14="http://schemas.microsoft.com/office/drawing/2010/main">
-                <a:solidFill>
-                  <a:srgbClr val="FFFFFF"/>
-                </a:solidFill>
-              </a14:hiddenFill>
-            </a:ext>
-          </a:extLst>
-        </p:spPr>
-        <p:txBody>
-          <a:bodyPr vert="horz" wrap="square" lIns="91440" tIns="45720" rIns="91440" bIns="45720" numCol="1" anchor="t" anchorCtr="0" compatLnSpc="1">
-            <a:prstTxWarp prst="textNoShape">
-              <a:avLst/>
-            </a:prstTxWarp>
-          </a:bodyPr>
-          <a:lstStyle/>
-          <a:p>
-            <a:endParaRPr lang="en-US"/>
-          </a:p>
-        </p:txBody>
-      </p:sp>
-      <p:sp>
-        <p:nvSpPr>
-          <p:cNvPr id="8" name="Rectangle 15">
-            <a:extLst>
-              <a:ext uri="{FF2B5EF4-FFF2-40B4-BE49-F238E27FC236}">
-                <a16:creationId xmlns:a16="http://schemas.microsoft.com/office/drawing/2014/main" id="{F3F6E545-69E9-7E47-87F2-7F871C17E628}"/>
-              </a:ext>
-            </a:extLst>
-          </p:cNvPr>
-          <p:cNvSpPr>
-            <a:spLocks noChangeArrowheads="1"/>
-          </p:cNvSpPr>
-          <p:nvPr/>
-        </p:nvSpPr>
-        <p:spPr bwMode="auto">
-          <a:xfrm>
-            <a:off x="4659313" y="685800"/>
-            <a:ext cx="874712" cy="633413"/>
-          </a:xfrm>
-          <a:prstGeom prst="rect">
-            <a:avLst/>
-          </a:prstGeom>
-          <a:solidFill>
-            <a:srgbClr val="FFFFFF"/>
-          </a:solidFill>
-          <a:ln>
-            <a:noFill/>
-          </a:ln>
-          <a:extLst>
-            <a:ext uri="{91240B29-F687-4F45-9708-019B960494DF}">
-              <a14:hiddenLine xmlns:a14="http://schemas.microsoft.com/office/drawing/2010/main" w="9525">
-                <a:solidFill>
-                  <a:srgbClr val="000000"/>
-                </a:solidFill>
-                <a:miter lim="800000"/>
-                <a:headEnd/>
-                <a:tailEnd/>
-              </a14:hiddenLine>
-            </a:ext>
-          </a:extLst>
-        </p:spPr>
-        <p:txBody>
-          <a:bodyPr vert="horz" wrap="square" lIns="91440" tIns="45720" rIns="91440" bIns="45720" numCol="1" anchor="t" anchorCtr="0" compatLnSpc="1">
-            <a:prstTxWarp prst="textNoShape">
-              <a:avLst/>
-            </a:prstTxWarp>
-          </a:bodyPr>
-          <a:lstStyle/>
-          <a:p>
-            <a:pPr marL="0" marR="0" lvl="0" indent="0" algn="ctr" defTabSz="914400" rtl="0" eaLnBrk="0" fontAlgn="base" latinLnBrk="0" hangingPunct="0">
-              <a:lnSpc>
-                <a:spcPct val="100000"/>
-              </a:lnSpc>
-              <a:spcBef>
-                <a:spcPct val="0"/>
-              </a:spcBef>
-              <a:spcAft>
-                <a:spcPct val="0"/>
-              </a:spcAft>
-              <a:buClrTx/>
-              <a:buSzTx/>
-              <a:buFontTx/>
-              <a:buNone/>
-              <a:tabLst/>
-            </a:pPr>
-            <a:r>
-              <a:rPr kumimoji="0" lang="en-US" altLang="en-US" sz="900" b="0" i="0" u="none" strike="noStrike" cap="none" normalizeH="0" baseline="0">
+            <a:ln>
+              <a:noFill/>
+            </a:ln>
+            <a:extLst>
+              <a:ext uri="{91240B29-F687-4F45-9708-019B960494DF}">
+                <a14:hiddenLine xmlns:a14="http://schemas.microsoft.com/office/drawing/2010/main" w="9525">
+                  <a:solidFill>
+                    <a:srgbClr val="000000"/>
+                  </a:solidFill>
+                  <a:miter lim="800000"/>
+                  <a:headEnd/>
+                  <a:tailEnd/>
+                </a14:hiddenLine>
+              </a:ext>
+            </a:extLst>
+          </p:spPr>
+          <p:txBody>
+            <a:bodyPr vert="horz" wrap="square" lIns="91440" tIns="45720" rIns="91440" bIns="45720" numCol="1" anchor="t" anchorCtr="0" compatLnSpc="1">
+              <a:prstTxWarp prst="textNoShape">
+                <a:avLst/>
+              </a:prstTxWarp>
+            </a:bodyPr>
+            <a:lstStyle/>
+            <a:p>
+              <a:pPr marL="0" marR="0" lvl="0" indent="0" algn="ctr" defTabSz="914400" rtl="0" eaLnBrk="0" fontAlgn="base" latinLnBrk="0" hangingPunct="0">
+                <a:lnSpc>
+                  <a:spcPct val="100000"/>
+                </a:lnSpc>
+                <a:spcBef>
+                  <a:spcPct val="0"/>
+                </a:spcBef>
+                <a:spcAft>
+                  <a:spcPct val="0"/>
+                </a:spcAft>
+                <a:buClrTx/>
+                <a:buSzTx/>
+                <a:buFontTx/>
+                <a:buNone/>
+                <a:tabLst/>
+              </a:pPr>
+              <a:r>
+                <a:rPr kumimoji="0" lang="en-US" altLang="en-US" b="0" i="0" u="none" strike="noStrike" cap="none" normalizeH="0" baseline="0">
+                  <a:ln>
+                    <a:noFill/>
+                  </a:ln>
+                  <a:solidFill>
+                    <a:schemeClr val="tx1"/>
+                  </a:solidFill>
+                  <a:effectLst/>
+                  <a:latin typeface="Arial" panose="020B0604020202020204" pitchFamily="34" charset="0"/>
+                  <a:ea typeface="Times New Roman" panose="02020603050405020304" pitchFamily="18" charset="0"/>
+                </a:rPr>
+                <a:t>Document</a:t>
+              </a:r>
+              <a:br>
+                <a:rPr kumimoji="0" lang="en-US" altLang="en-US" b="0" i="0" u="none" strike="noStrike" cap="none" normalizeH="0" baseline="0">
+                  <a:ln>
+                    <a:noFill/>
+                  </a:ln>
+                  <a:solidFill>
+                    <a:schemeClr val="tx1"/>
+                  </a:solidFill>
+                  <a:effectLst/>
+                  <a:latin typeface="Arial" panose="020B0604020202020204" pitchFamily="34" charset="0"/>
+                  <a:ea typeface="Times New Roman" panose="02020603050405020304" pitchFamily="18" charset="0"/>
+                </a:rPr>
+              </a:br>
+              <a:r>
+                <a:rPr kumimoji="0" lang="en-US" altLang="en-US" b="0" i="0" u="none" strike="noStrike" cap="none" normalizeH="0" baseline="0">
+                  <a:ln>
+                    <a:noFill/>
+                  </a:ln>
+                  <a:solidFill>
+                    <a:schemeClr val="tx1"/>
+                  </a:solidFill>
+                  <a:effectLst/>
+                  <a:latin typeface="Arial" panose="020B0604020202020204" pitchFamily="34" charset="0"/>
+                  <a:ea typeface="Times New Roman" panose="02020603050405020304" pitchFamily="18" charset="0"/>
+                </a:rPr>
+                <a:t>Registry: </a:t>
+              </a:r>
+              <a:r>
+                <a:rPr kumimoji="0" lang="en-US" altLang="en-US" b="0" i="1" u="none" strike="noStrike" cap="none" normalizeH="0" baseline="0">
+                  <a:ln>
+                    <a:noFill/>
+                  </a:ln>
+                  <a:solidFill>
+                    <a:schemeClr val="tx1"/>
+                  </a:solidFill>
+                  <a:effectLst/>
+                  <a:latin typeface="Arial" panose="020B0604020202020204" pitchFamily="34" charset="0"/>
+                  <a:ea typeface="Times New Roman" panose="02020603050405020304" pitchFamily="18" charset="0"/>
+                </a:rPr>
+                <a:t>(Cardiology Network)</a:t>
+              </a:r>
+              <a:endParaRPr kumimoji="0" lang="en-US" altLang="en-US" sz="4400" b="0" i="0" u="none" strike="noStrike" cap="none" normalizeH="0" baseline="0">
                 <a:ln>
                   <a:noFill/>
                 </a:ln>
@@ -3695,12 +3776,169 @@
                 </a:solidFill>
                 <a:effectLst/>
                 <a:latin typeface="Arial" panose="020B0604020202020204" pitchFamily="34" charset="0"/>
-                <a:ea typeface="Times New Roman" panose="02020603050405020304" pitchFamily="18" charset="0"/>
-              </a:rPr>
-              <a:t>Document</a:t>
-            </a:r>
-            <a:br>
-              <a:rPr kumimoji="0" lang="en-US" altLang="en-US" sz="900" b="0" i="0" u="none" strike="noStrike" cap="none" normalizeH="0" baseline="0">
+              </a:endParaRPr>
+            </a:p>
+          </p:txBody>
+        </p:sp>
+        <p:sp>
+          <p:nvSpPr>
+            <p:cNvPr id="9" name="Line 14">
+              <a:extLst>
+                <a:ext uri="{FF2B5EF4-FFF2-40B4-BE49-F238E27FC236}">
+                  <a16:creationId xmlns:a16="http://schemas.microsoft.com/office/drawing/2014/main" id="{A07543D9-3FCF-5745-85BB-21BE799AB42A}"/>
+                </a:ext>
+              </a:extLst>
+            </p:cNvPr>
+            <p:cNvSpPr>
+              <a:spLocks noChangeShapeType="1"/>
+            </p:cNvSpPr>
+            <p:nvPr/>
+          </p:nvSpPr>
+          <p:spPr bwMode="auto">
+            <a:xfrm>
+              <a:off x="3346450" y="1319213"/>
+              <a:ext cx="0" cy="1651000"/>
+            </a:xfrm>
+            <a:prstGeom prst="line">
+              <a:avLst/>
+            </a:prstGeom>
+            <a:noFill/>
+            <a:ln w="9525">
+              <a:solidFill>
+                <a:srgbClr val="000000"/>
+              </a:solidFill>
+              <a:prstDash val="sysDot"/>
+              <a:round/>
+              <a:headEnd/>
+              <a:tailEnd/>
+            </a:ln>
+            <a:extLst>
+              <a:ext uri="{909E8E84-426E-40DD-AFC4-6F175D3DCCD1}">
+                <a14:hiddenFill xmlns:a14="http://schemas.microsoft.com/office/drawing/2010/main">
+                  <a:noFill/>
+                </a14:hiddenFill>
+              </a:ext>
+            </a:extLst>
+          </p:spPr>
+          <p:txBody>
+            <a:bodyPr vert="horz" wrap="square" lIns="91440" tIns="45720" rIns="91440" bIns="45720" numCol="1" anchor="t" anchorCtr="0" compatLnSpc="1">
+              <a:prstTxWarp prst="textNoShape">
+                <a:avLst/>
+              </a:prstTxWarp>
+            </a:bodyPr>
+            <a:lstStyle/>
+            <a:p>
+              <a:endParaRPr lang="en-US" sz="4400"/>
+            </a:p>
+          </p:txBody>
+        </p:sp>
+        <p:sp>
+          <p:nvSpPr>
+            <p:cNvPr id="10" name="Rectangle 13">
+              <a:extLst>
+                <a:ext uri="{FF2B5EF4-FFF2-40B4-BE49-F238E27FC236}">
+                  <a16:creationId xmlns:a16="http://schemas.microsoft.com/office/drawing/2014/main" id="{726299B3-312F-0144-A55E-64ABE2DB30B2}"/>
+                </a:ext>
+              </a:extLst>
+            </p:cNvPr>
+            <p:cNvSpPr>
+              <a:spLocks noChangeArrowheads="1"/>
+            </p:cNvSpPr>
+            <p:nvPr/>
+          </p:nvSpPr>
+          <p:spPr bwMode="auto">
+            <a:xfrm>
+              <a:off x="58738" y="685800"/>
+              <a:ext cx="947737" cy="633413"/>
+            </a:xfrm>
+            <a:prstGeom prst="rect">
+              <a:avLst/>
+            </a:prstGeom>
+            <a:solidFill>
+              <a:srgbClr val="FFFFFF"/>
+            </a:solidFill>
+            <a:ln>
+              <a:noFill/>
+            </a:ln>
+            <a:extLst>
+              <a:ext uri="{91240B29-F687-4F45-9708-019B960494DF}">
+                <a14:hiddenLine xmlns:a14="http://schemas.microsoft.com/office/drawing/2010/main" w="9525">
+                  <a:solidFill>
+                    <a:srgbClr val="000000"/>
+                  </a:solidFill>
+                  <a:miter lim="800000"/>
+                  <a:headEnd/>
+                  <a:tailEnd/>
+                </a14:hiddenLine>
+              </a:ext>
+            </a:extLst>
+          </p:spPr>
+          <p:txBody>
+            <a:bodyPr vert="horz" wrap="square" lIns="91440" tIns="45720" rIns="91440" bIns="45720" numCol="1" anchor="t" anchorCtr="0" compatLnSpc="1">
+              <a:prstTxWarp prst="textNoShape">
+                <a:avLst/>
+              </a:prstTxWarp>
+            </a:bodyPr>
+            <a:lstStyle/>
+            <a:p>
+              <a:pPr marL="0" marR="0" lvl="0" indent="0" algn="ctr" defTabSz="914400" rtl="0" eaLnBrk="0" fontAlgn="base" latinLnBrk="0" hangingPunct="0">
+                <a:lnSpc>
+                  <a:spcPct val="100000"/>
+                </a:lnSpc>
+                <a:spcBef>
+                  <a:spcPct val="0"/>
+                </a:spcBef>
+                <a:spcAft>
+                  <a:spcPct val="0"/>
+                </a:spcAft>
+                <a:buClrTx/>
+                <a:buSzTx/>
+                <a:buFontTx/>
+                <a:buNone/>
+                <a:tabLst/>
+              </a:pPr>
+              <a:r>
+                <a:rPr kumimoji="0" lang="en-US" altLang="en-US" b="0" i="0" u="none" strike="noStrike" cap="none" normalizeH="0" baseline="0">
+                  <a:ln>
+                    <a:noFill/>
+                  </a:ln>
+                  <a:solidFill>
+                    <a:schemeClr val="tx1"/>
+                  </a:solidFill>
+                  <a:effectLst/>
+                  <a:latin typeface="Arial" panose="020B0604020202020204" pitchFamily="34" charset="0"/>
+                  <a:ea typeface="Times New Roman" panose="02020603050405020304" pitchFamily="18" charset="0"/>
+                </a:rPr>
+                <a:t>Document Consumer:</a:t>
+              </a:r>
+              <a:br>
+                <a:rPr kumimoji="0" lang="en-US" altLang="en-US" b="0" i="0" u="none" strike="noStrike" cap="none" normalizeH="0" baseline="0">
+                  <a:ln>
+                    <a:noFill/>
+                  </a:ln>
+                  <a:solidFill>
+                    <a:schemeClr val="tx1"/>
+                  </a:solidFill>
+                  <a:effectLst/>
+                  <a:latin typeface="Arial" panose="020B0604020202020204" pitchFamily="34" charset="0"/>
+                  <a:ea typeface="Times New Roman" panose="02020603050405020304" pitchFamily="18" charset="0"/>
+                </a:rPr>
+              </a:br>
+              <a:r>
+                <a:rPr kumimoji="0" lang="en-US" altLang="en-US" b="0" i="1" u="none" strike="noStrike" cap="none" normalizeH="0" baseline="0">
+                  <a:ln>
+                    <a:noFill/>
+                  </a:ln>
+                  <a:solidFill>
+                    <a:schemeClr val="tx1"/>
+                  </a:solidFill>
+                  <a:effectLst/>
+                  <a:latin typeface="Arial" panose="020B0604020202020204" pitchFamily="34" charset="0"/>
+                  <a:ea typeface="Times New Roman" panose="02020603050405020304" pitchFamily="18" charset="0"/>
+                </a:rPr>
+                <a:t>(ER EHR-CR)</a:t>
+              </a:r>
+              <a:endParaRPr kumimoji="0" lang="en-US" altLang="en-US" sz="4400" b="0" i="0" u="none" strike="noStrike" cap="none" normalizeH="0" baseline="0">
                 <a:ln>
                   <a:noFill/>
                 </a:ln>
@@ -3709,11 +3947,244 @@
                 </a:solidFill>
                 <a:effectLst/>
                 <a:latin typeface="Arial" panose="020B0604020202020204" pitchFamily="34" charset="0"/>
-                <a:ea typeface="Times New Roman" panose="02020603050405020304" pitchFamily="18" charset="0"/>
-              </a:rPr>
-            </a:br>
-            <a:r>
-              <a:rPr kumimoji="0" lang="en-US" altLang="en-US" sz="900" b="0" i="0" u="none" strike="noStrike" cap="none" normalizeH="0" baseline="0">
+              </a:endParaRPr>
+            </a:p>
+          </p:txBody>
+        </p:sp>
+        <p:sp>
+          <p:nvSpPr>
+            <p:cNvPr id="11" name="Line 12">
+              <a:extLst>
+                <a:ext uri="{FF2B5EF4-FFF2-40B4-BE49-F238E27FC236}">
+                  <a16:creationId xmlns:a16="http://schemas.microsoft.com/office/drawing/2014/main" id="{7FDDBFC8-0F5E-7A49-9C97-1EB040412E26}"/>
+                </a:ext>
+              </a:extLst>
+            </p:cNvPr>
+            <p:cNvSpPr>
+              <a:spLocks noChangeShapeType="1"/>
+            </p:cNvSpPr>
+            <p:nvPr/>
+          </p:nvSpPr>
+          <p:spPr bwMode="auto">
+            <a:xfrm flipH="1">
+              <a:off x="539750" y="1319213"/>
+              <a:ext cx="0" cy="1651000"/>
+            </a:xfrm>
+            <a:prstGeom prst="line">
+              <a:avLst/>
+            </a:prstGeom>
+            <a:noFill/>
+            <a:ln w="9525">
+              <a:solidFill>
+                <a:srgbClr val="000000"/>
+              </a:solidFill>
+              <a:prstDash val="sysDot"/>
+              <a:round/>
+              <a:headEnd/>
+              <a:tailEnd/>
+            </a:ln>
+            <a:extLst>
+              <a:ext uri="{909E8E84-426E-40DD-AFC4-6F175D3DCCD1}">
+                <a14:hiddenFill xmlns:a14="http://schemas.microsoft.com/office/drawing/2010/main">
+                  <a:noFill/>
+                </a14:hiddenFill>
+              </a:ext>
+            </a:extLst>
+          </p:spPr>
+          <p:txBody>
+            <a:bodyPr vert="horz" wrap="square" lIns="91440" tIns="45720" rIns="91440" bIns="45720" numCol="1" anchor="t" anchorCtr="0" compatLnSpc="1">
+              <a:prstTxWarp prst="textNoShape">
+                <a:avLst/>
+              </a:prstTxWarp>
+            </a:bodyPr>
+            <a:lstStyle/>
+            <a:p>
+              <a:endParaRPr lang="en-US" sz="4400"/>
+            </a:p>
+          </p:txBody>
+        </p:sp>
+        <p:sp>
+          <p:nvSpPr>
+            <p:cNvPr id="12" name="Rectangle 11">
+              <a:extLst>
+                <a:ext uri="{FF2B5EF4-FFF2-40B4-BE49-F238E27FC236}">
+                  <a16:creationId xmlns:a16="http://schemas.microsoft.com/office/drawing/2014/main" id="{9C256F4C-8BEB-014A-9EE0-EFE2C6760CD1}"/>
+                </a:ext>
+              </a:extLst>
+            </p:cNvPr>
+            <p:cNvSpPr>
+              <a:spLocks noChangeArrowheads="1"/>
+            </p:cNvSpPr>
+            <p:nvPr/>
+          </p:nvSpPr>
+          <p:spPr bwMode="auto">
+            <a:xfrm>
+              <a:off x="477838" y="1381125"/>
+              <a:ext cx="120650" cy="1558925"/>
+            </a:xfrm>
+            <a:prstGeom prst="rect">
+              <a:avLst/>
+            </a:prstGeom>
+            <a:solidFill>
+              <a:srgbClr val="FFFFFF"/>
+            </a:solidFill>
+            <a:ln w="9525">
+              <a:solidFill>
+                <a:srgbClr val="000000"/>
+              </a:solidFill>
+              <a:miter lim="800000"/>
+              <a:headEnd/>
+              <a:tailEnd/>
+            </a:ln>
+          </p:spPr>
+          <p:txBody>
+            <a:bodyPr vert="horz" wrap="square" lIns="91440" tIns="45720" rIns="91440" bIns="45720" numCol="1" anchor="t" anchorCtr="0" compatLnSpc="1">
+              <a:prstTxWarp prst="textNoShape">
+                <a:avLst/>
+              </a:prstTxWarp>
+            </a:bodyPr>
+            <a:lstStyle/>
+            <a:p>
+              <a:endParaRPr lang="en-US" sz="4400"/>
+            </a:p>
+          </p:txBody>
+        </p:sp>
+        <p:sp>
+          <p:nvSpPr>
+            <p:cNvPr id="13" name="Line 10">
+              <a:extLst>
+                <a:ext uri="{FF2B5EF4-FFF2-40B4-BE49-F238E27FC236}">
+                  <a16:creationId xmlns:a16="http://schemas.microsoft.com/office/drawing/2014/main" id="{942BE8BD-035A-5945-B627-6001B77577E7}"/>
+                </a:ext>
+              </a:extLst>
+            </p:cNvPr>
+            <p:cNvSpPr>
+              <a:spLocks noChangeShapeType="1"/>
+            </p:cNvSpPr>
+            <p:nvPr/>
+          </p:nvSpPr>
+          <p:spPr bwMode="auto">
+            <a:xfrm>
+              <a:off x="598488" y="1471613"/>
+              <a:ext cx="4473575" cy="0"/>
+            </a:xfrm>
+            <a:prstGeom prst="line">
+              <a:avLst/>
+            </a:prstGeom>
+            <a:noFill/>
+            <a:ln w="9525">
+              <a:solidFill>
+                <a:srgbClr val="000000"/>
+              </a:solidFill>
+              <a:round/>
+              <a:headEnd/>
+              <a:tailEnd type="triangle" w="med" len="med"/>
+            </a:ln>
+            <a:extLst>
+              <a:ext uri="{909E8E84-426E-40DD-AFC4-6F175D3DCCD1}">
+                <a14:hiddenFill xmlns:a14="http://schemas.microsoft.com/office/drawing/2010/main">
+                  <a:noFill/>
+                </a14:hiddenFill>
+              </a:ext>
+            </a:extLst>
+          </p:spPr>
+          <p:txBody>
+            <a:bodyPr vert="horz" wrap="square" lIns="91440" tIns="45720" rIns="91440" bIns="45720" numCol="1" anchor="t" anchorCtr="0" compatLnSpc="1">
+              <a:prstTxWarp prst="textNoShape">
+                <a:avLst/>
+              </a:prstTxWarp>
+            </a:bodyPr>
+            <a:lstStyle/>
+            <a:p>
+              <a:endParaRPr lang="en-US" sz="4400"/>
+            </a:p>
+          </p:txBody>
+        </p:sp>
+        <p:sp>
+          <p:nvSpPr>
+            <p:cNvPr id="14" name="Text Box 9">
+              <a:extLst>
+                <a:ext uri="{FF2B5EF4-FFF2-40B4-BE49-F238E27FC236}">
+                  <a16:creationId xmlns:a16="http://schemas.microsoft.com/office/drawing/2014/main" id="{7D10D39F-77DD-0647-B55D-2E87A12F6909}"/>
+                </a:ext>
+              </a:extLst>
+            </p:cNvPr>
+            <p:cNvSpPr txBox="1">
+              <a:spLocks noChangeArrowheads="1"/>
+            </p:cNvSpPr>
+            <p:nvPr/>
+          </p:nvSpPr>
+          <p:spPr bwMode="auto">
+            <a:xfrm>
+              <a:off x="2098675" y="1290638"/>
+              <a:ext cx="1104900" cy="260350"/>
+            </a:xfrm>
+            <a:prstGeom prst="rect">
+              <a:avLst/>
+            </a:prstGeom>
+            <a:noFill/>
+            <a:ln>
+              <a:noFill/>
+            </a:ln>
+            <a:extLst>
+              <a:ext uri="{909E8E84-426E-40DD-AFC4-6F175D3DCCD1}">
+                <a14:hiddenFill xmlns:a14="http://schemas.microsoft.com/office/drawing/2010/main">
+                  <a:solidFill>
+                    <a:srgbClr val="FFFFFF"/>
+                  </a:solidFill>
+                </a14:hiddenFill>
+              </a:ext>
+              <a:ext uri="{91240B29-F687-4F45-9708-019B960494DF}">
+                <a14:hiddenLine xmlns:a14="http://schemas.microsoft.com/office/drawing/2010/main" w="9525">
+                  <a:solidFill>
+                    <a:srgbClr val="000000"/>
+                  </a:solidFill>
+                  <a:miter lim="800000"/>
+                  <a:headEnd/>
+                  <a:tailEnd/>
+                </a14:hiddenLine>
+              </a:ext>
+            </a:extLst>
+          </p:spPr>
+          <p:txBody>
+            <a:bodyPr vert="horz" wrap="square" lIns="91440" tIns="45720" rIns="91440" bIns="45720" numCol="1" anchor="t" anchorCtr="0" compatLnSpc="1">
+              <a:prstTxWarp prst="textNoShape">
+                <a:avLst/>
+              </a:prstTxWarp>
+            </a:bodyPr>
+            <a:lstStyle/>
+            <a:p>
+              <a:pPr marL="0" marR="0" lvl="0" indent="0" algn="ctr" defTabSz="914400" rtl="0" eaLnBrk="0" fontAlgn="base" latinLnBrk="0" hangingPunct="0">
+                <a:lnSpc>
+                  <a:spcPct val="100000"/>
+                </a:lnSpc>
+                <a:spcBef>
+                  <a:spcPct val="0"/>
+                </a:spcBef>
+                <a:spcAft>
+                  <a:spcPct val="0"/>
+                </a:spcAft>
+                <a:buClrTx/>
+                <a:buSzTx/>
+                <a:buFontTx/>
+                <a:buNone/>
+                <a:tabLst/>
+              </a:pPr>
+              <a:r>
+                <a:rPr kumimoji="0" lang="en-US" altLang="en-US" sz="1600" b="0" i="0" u="none" strike="noStrike" cap="none" normalizeH="0" baseline="0">
+                  <a:ln>
+                    <a:noFill/>
+                  </a:ln>
+                  <a:solidFill>
+                    <a:schemeClr val="tx1"/>
+                  </a:solidFill>
+                  <a:effectLst/>
+                  <a:latin typeface="Arial" panose="020B0604020202020204" pitchFamily="34" charset="0"/>
+                  <a:ea typeface="Times New Roman" panose="02020603050405020304" pitchFamily="18" charset="0"/>
+                </a:rPr>
+                <a:t>1. Query Documents</a:t>
+              </a:r>
+              <a:endParaRPr kumimoji="0" lang="en-US" altLang="en-US" sz="4400" b="0" i="0" u="none" strike="noStrike" cap="none" normalizeH="0" baseline="0">
                 <a:ln>
                   <a:noFill/>
                 </a:ln>
@@ -3722,12 +4193,190 @@
                 </a:solidFill>
                 <a:effectLst/>
                 <a:latin typeface="Arial" panose="020B0604020202020204" pitchFamily="34" charset="0"/>
-                <a:ea typeface="Times New Roman" panose="02020603050405020304" pitchFamily="18" charset="0"/>
-              </a:rPr>
-              <a:t>Registry: </a:t>
-            </a:r>
-            <a:r>
-              <a:rPr kumimoji="0" lang="en-US" altLang="en-US" sz="900" b="0" i="1" u="none" strike="noStrike" cap="none" normalizeH="0" baseline="0">
+              </a:endParaRPr>
+            </a:p>
+          </p:txBody>
+        </p:sp>
+        <p:sp>
+          <p:nvSpPr>
+            <p:cNvPr id="15" name="Rectangle 8">
+              <a:extLst>
+                <a:ext uri="{FF2B5EF4-FFF2-40B4-BE49-F238E27FC236}">
+                  <a16:creationId xmlns:a16="http://schemas.microsoft.com/office/drawing/2014/main" id="{D5EA2E5C-6A0F-6144-B112-347BFDE080D3}"/>
+                </a:ext>
+              </a:extLst>
+            </p:cNvPr>
+            <p:cNvSpPr>
+              <a:spLocks noChangeArrowheads="1"/>
+            </p:cNvSpPr>
+            <p:nvPr/>
+          </p:nvSpPr>
+          <p:spPr bwMode="auto">
+            <a:xfrm>
+              <a:off x="5072063" y="1350963"/>
+              <a:ext cx="114300" cy="280987"/>
+            </a:xfrm>
+            <a:prstGeom prst="rect">
+              <a:avLst/>
+            </a:prstGeom>
+            <a:solidFill>
+              <a:srgbClr val="FFFFFF"/>
+            </a:solidFill>
+            <a:ln w="9525">
+              <a:solidFill>
+                <a:srgbClr val="000000"/>
+              </a:solidFill>
+              <a:miter lim="800000"/>
+              <a:headEnd/>
+              <a:tailEnd/>
+            </a:ln>
+          </p:spPr>
+          <p:txBody>
+            <a:bodyPr vert="horz" wrap="square" lIns="91440" tIns="45720" rIns="91440" bIns="45720" numCol="1" anchor="t" anchorCtr="0" compatLnSpc="1">
+              <a:prstTxWarp prst="textNoShape">
+                <a:avLst/>
+              </a:prstTxWarp>
+            </a:bodyPr>
+            <a:lstStyle/>
+            <a:p>
+              <a:endParaRPr lang="en-US" sz="4400"/>
+            </a:p>
+          </p:txBody>
+        </p:sp>
+        <p:sp>
+          <p:nvSpPr>
+            <p:cNvPr id="16" name="Rectangle 7">
+              <a:extLst>
+                <a:ext uri="{FF2B5EF4-FFF2-40B4-BE49-F238E27FC236}">
+                  <a16:creationId xmlns:a16="http://schemas.microsoft.com/office/drawing/2014/main" id="{2EA904C9-97A0-D546-9DFA-4364EA6D8227}"/>
+                </a:ext>
+              </a:extLst>
+            </p:cNvPr>
+            <p:cNvSpPr>
+              <a:spLocks noChangeArrowheads="1"/>
+            </p:cNvSpPr>
+            <p:nvPr/>
+          </p:nvSpPr>
+          <p:spPr bwMode="auto">
+            <a:xfrm>
+              <a:off x="2957513" y="685800"/>
+              <a:ext cx="769937" cy="633413"/>
+            </a:xfrm>
+            <a:prstGeom prst="rect">
+              <a:avLst/>
+            </a:prstGeom>
+            <a:solidFill>
+              <a:srgbClr val="FFFFFF"/>
+            </a:solidFill>
+            <a:ln>
+              <a:noFill/>
+            </a:ln>
+            <a:extLst>
+              <a:ext uri="{91240B29-F687-4F45-9708-019B960494DF}">
+                <a14:hiddenLine xmlns:a14="http://schemas.microsoft.com/office/drawing/2010/main" w="9525">
+                  <a:solidFill>
+                    <a:srgbClr val="000000"/>
+                  </a:solidFill>
+                  <a:miter lim="800000"/>
+                  <a:headEnd/>
+                  <a:tailEnd/>
+                </a14:hiddenLine>
+              </a:ext>
+            </a:extLst>
+          </p:spPr>
+          <p:txBody>
+            <a:bodyPr vert="horz" wrap="square" lIns="91440" tIns="45720" rIns="91440" bIns="45720" numCol="1" anchor="t" anchorCtr="0" compatLnSpc="1">
+              <a:prstTxWarp prst="textNoShape">
+                <a:avLst/>
+              </a:prstTxWarp>
+            </a:bodyPr>
+            <a:lstStyle/>
+            <a:p>
+              <a:pPr marL="0" marR="0" lvl="0" indent="0" algn="ctr" defTabSz="914400" rtl="0" eaLnBrk="0" fontAlgn="base" latinLnBrk="0" hangingPunct="0">
+                <a:lnSpc>
+                  <a:spcPct val="100000"/>
+                </a:lnSpc>
+                <a:spcBef>
+                  <a:spcPct val="0"/>
+                </a:spcBef>
+                <a:spcAft>
+                  <a:spcPct val="0"/>
+                </a:spcAft>
+                <a:buClrTx/>
+                <a:buSzTx/>
+                <a:buFontTx/>
+                <a:buNone/>
+                <a:tabLst/>
+              </a:pPr>
+              <a:r>
+                <a:rPr kumimoji="0" lang="en-US" altLang="en-US" b="0" i="0" u="none" strike="noStrike" cap="none" normalizeH="0" baseline="0">
+                  <a:ln>
+                    <a:noFill/>
+                  </a:ln>
+                  <a:solidFill>
+                    <a:schemeClr val="tx1"/>
+                  </a:solidFill>
+                  <a:effectLst/>
+                  <a:latin typeface="Arial" panose="020B0604020202020204" pitchFamily="34" charset="0"/>
+                  <a:ea typeface="Times New Roman" panose="02020603050405020304" pitchFamily="18" charset="0"/>
+                </a:rPr>
+                <a:t>Document Repository:</a:t>
+              </a:r>
+              <a:br>
+                <a:rPr kumimoji="0" lang="en-US" altLang="en-US" b="0" i="0" u="none" strike="noStrike" cap="none" normalizeH="0" baseline="0">
+                  <a:ln>
+                    <a:noFill/>
+                  </a:ln>
+                  <a:solidFill>
+                    <a:schemeClr val="tx1"/>
+                  </a:solidFill>
+                  <a:effectLst/>
+                  <a:latin typeface="Arial" panose="020B0604020202020204" pitchFamily="34" charset="0"/>
+                  <a:ea typeface="Times New Roman" panose="02020603050405020304" pitchFamily="18" charset="0"/>
+                </a:rPr>
+              </a:br>
+              <a:r>
+                <a:rPr kumimoji="0" lang="en-US" altLang="en-US" b="0" i="1" u="none" strike="noStrike" cap="none" normalizeH="0" baseline="0">
+                  <a:ln>
+                    <a:noFill/>
+                  </a:ln>
+                  <a:solidFill>
+                    <a:schemeClr val="tx1"/>
+                  </a:solidFill>
+                  <a:effectLst/>
+                  <a:latin typeface="Arial" panose="020B0604020202020204" pitchFamily="34" charset="0"/>
+                  <a:ea typeface="Times New Roman" panose="02020603050405020304" pitchFamily="18" charset="0"/>
+                </a:rPr>
+                <a:t>(Hospital</a:t>
+              </a:r>
+              <a:br>
+                <a:rPr kumimoji="0" lang="en-US" altLang="en-US" b="0" i="1" u="none" strike="noStrike" cap="none" normalizeH="0" baseline="0">
+                  <a:ln>
+                    <a:noFill/>
+                  </a:ln>
+                  <a:solidFill>
+                    <a:schemeClr val="tx1"/>
+                  </a:solidFill>
+                  <a:effectLst/>
+                  <a:latin typeface="Arial" panose="020B0604020202020204" pitchFamily="34" charset="0"/>
+                  <a:ea typeface="Times New Roman" panose="02020603050405020304" pitchFamily="18" charset="0"/>
+                </a:rPr>
+              </a:br>
+              <a:r>
+                <a:rPr kumimoji="0" lang="en-US" altLang="en-US" b="0" i="1" u="none" strike="noStrike" cap="none" normalizeH="0" baseline="0">
+                  <a:ln>
+                    <a:noFill/>
+                  </a:ln>
+                  <a:solidFill>
+                    <a:schemeClr val="tx1"/>
+                  </a:solidFill>
+                  <a:effectLst/>
+                  <a:latin typeface="Arial" panose="020B0604020202020204" pitchFamily="34" charset="0"/>
+                  <a:ea typeface="Times New Roman" panose="02020603050405020304" pitchFamily="18" charset="0"/>
+                </a:rPr>
+                <a:t>EHR-CR)</a:t>
+              </a:r>
+              <a:endParaRPr kumimoji="0" lang="en-US" altLang="en-US" sz="4400" b="0" i="0" u="none" strike="noStrike" cap="none" normalizeH="0" baseline="0">
                 <a:ln>
                   <a:noFill/>
                 </a:ln>
@@ -3736,142 +4385,117 @@
                 </a:solidFill>
                 <a:effectLst/>
                 <a:latin typeface="Arial" panose="020B0604020202020204" pitchFamily="34" charset="0"/>
-                <a:ea typeface="Times New Roman" panose="02020603050405020304" pitchFamily="18" charset="0"/>
-              </a:rPr>
-              <a:t>(Cardiology Network)</a:t>
-            </a:r>
-            <a:endParaRPr kumimoji="0" lang="en-US" altLang="en-US" sz="1800" b="0" i="0" u="none" strike="noStrike" cap="none" normalizeH="0" baseline="0">
-              <a:ln>
-                <a:noFill/>
-              </a:ln>
-              <a:solidFill>
-                <a:schemeClr val="tx1"/>
-              </a:solidFill>
-              <a:effectLst/>
-              <a:latin typeface="Arial" panose="020B0604020202020204" pitchFamily="34" charset="0"/>
-            </a:endParaRPr>
-          </a:p>
-        </p:txBody>
-      </p:sp>
-      <p:sp>
-        <p:nvSpPr>
-          <p:cNvPr id="9" name="Line 14">
-            <a:extLst>
-              <a:ext uri="{FF2B5EF4-FFF2-40B4-BE49-F238E27FC236}">
-                <a16:creationId xmlns:a16="http://schemas.microsoft.com/office/drawing/2014/main" id="{A07543D9-3FCF-5745-85BB-21BE799AB42A}"/>
-              </a:ext>
-            </a:extLst>
-          </p:cNvPr>
-          <p:cNvSpPr>
-            <a:spLocks noChangeShapeType="1"/>
-          </p:cNvSpPr>
-          <p:nvPr/>
-        </p:nvSpPr>
-        <p:spPr bwMode="auto">
-          <a:xfrm>
-            <a:off x="3346450" y="1319213"/>
-            <a:ext cx="0" cy="1651000"/>
-          </a:xfrm>
-          <a:prstGeom prst="line">
-            <a:avLst/>
-          </a:prstGeom>
-          <a:noFill/>
-          <a:ln w="9525">
+              </a:endParaRPr>
+            </a:p>
+          </p:txBody>
+        </p:sp>
+        <p:sp>
+          <p:nvSpPr>
+            <p:cNvPr id="17" name="Rectangle 6">
+              <a:extLst>
+                <a:ext uri="{FF2B5EF4-FFF2-40B4-BE49-F238E27FC236}">
+                  <a16:creationId xmlns:a16="http://schemas.microsoft.com/office/drawing/2014/main" id="{1910B731-69AF-1F4B-A1B7-DFF83B3704F4}"/>
+                </a:ext>
+              </a:extLst>
+            </p:cNvPr>
+            <p:cNvSpPr>
+              <a:spLocks noChangeArrowheads="1"/>
+            </p:cNvSpPr>
+            <p:nvPr/>
+          </p:nvSpPr>
+          <p:spPr bwMode="auto">
+            <a:xfrm>
+              <a:off x="3783013" y="685800"/>
+              <a:ext cx="769937" cy="633413"/>
+            </a:xfrm>
+            <a:prstGeom prst="rect">
+              <a:avLst/>
+            </a:prstGeom>
             <a:solidFill>
-              <a:srgbClr val="000000"/>
+              <a:srgbClr val="FFFFFF"/>
             </a:solidFill>
-            <a:prstDash val="sysDot"/>
-            <a:round/>
-            <a:headEnd/>
-            <a:tailEnd/>
-          </a:ln>
-          <a:extLst>
-            <a:ext uri="{909E8E84-426E-40DD-AFC4-6F175D3DCCD1}">
-              <a14:hiddenFill xmlns:a14="http://schemas.microsoft.com/office/drawing/2010/main">
-                <a:noFill/>
-              </a14:hiddenFill>
-            </a:ext>
-          </a:extLst>
-        </p:spPr>
-        <p:txBody>
-          <a:bodyPr vert="horz" wrap="square" lIns="91440" tIns="45720" rIns="91440" bIns="45720" numCol="1" anchor="t" anchorCtr="0" compatLnSpc="1">
-            <a:prstTxWarp prst="textNoShape">
-              <a:avLst/>
-            </a:prstTxWarp>
-          </a:bodyPr>
-          <a:lstStyle/>
-          <a:p>
-            <a:endParaRPr lang="en-US"/>
-          </a:p>
-        </p:txBody>
-      </p:sp>
-      <p:sp>
-        <p:nvSpPr>
-          <p:cNvPr id="10" name="Rectangle 13">
-            <a:extLst>
-              <a:ext uri="{FF2B5EF4-FFF2-40B4-BE49-F238E27FC236}">
-                <a16:creationId xmlns:a16="http://schemas.microsoft.com/office/drawing/2014/main" id="{726299B3-312F-0144-A55E-64ABE2DB30B2}"/>
-              </a:ext>
-            </a:extLst>
-          </p:cNvPr>
-          <p:cNvSpPr>
-            <a:spLocks noChangeArrowheads="1"/>
-          </p:cNvSpPr>
-          <p:nvPr/>
-        </p:nvSpPr>
-        <p:spPr bwMode="auto">
-          <a:xfrm>
-            <a:off x="58738" y="685800"/>
-            <a:ext cx="947737" cy="633413"/>
-          </a:xfrm>
-          <a:prstGeom prst="rect">
-            <a:avLst/>
-          </a:prstGeom>
-          <a:solidFill>
-            <a:srgbClr val="FFFFFF"/>
-          </a:solidFill>
-          <a:ln>
-            <a:noFill/>
-          </a:ln>
-          <a:extLst>
-            <a:ext uri="{91240B29-F687-4F45-9708-019B960494DF}">
-              <a14:hiddenLine xmlns:a14="http://schemas.microsoft.com/office/drawing/2010/main" w="9525">
-                <a:solidFill>
-                  <a:srgbClr val="000000"/>
-                </a:solidFill>
-                <a:miter lim="800000"/>
-                <a:headEnd/>
-                <a:tailEnd/>
-              </a14:hiddenLine>
-            </a:ext>
-          </a:extLst>
-        </p:spPr>
-        <p:txBody>
-          <a:bodyPr vert="horz" wrap="square" lIns="91440" tIns="45720" rIns="91440" bIns="45720" numCol="1" anchor="t" anchorCtr="0" compatLnSpc="1">
-            <a:prstTxWarp prst="textNoShape">
-              <a:avLst/>
-            </a:prstTxWarp>
-          </a:bodyPr>
-          <a:lstStyle/>
-          <a:p>
-            <a:pPr marL="0" marR="0" lvl="0" indent="0" algn="ctr" defTabSz="914400" rtl="0" eaLnBrk="0" fontAlgn="base" latinLnBrk="0" hangingPunct="0">
-              <a:lnSpc>
-                <a:spcPct val="100000"/>
-              </a:lnSpc>
-              <a:spcBef>
-                <a:spcPct val="0"/>
-              </a:spcBef>
-              <a:spcAft>
-                <a:spcPct val="0"/>
-              </a:spcAft>
-              <a:buClrTx/>
-              <a:buSzTx/>
-              <a:buFontTx/>
-              <a:buNone/>
-              <a:tabLst/>
-            </a:pPr>
-            <a:r>
-              <a:rPr kumimoji="0" lang="en-US" altLang="en-US" sz="900" b="0" i="0" u="none" strike="noStrike" cap="none" normalizeH="0" baseline="0">
+            <a:ln>
+              <a:noFill/>
+            </a:ln>
+            <a:extLst>
+              <a:ext uri="{91240B29-F687-4F45-9708-019B960494DF}">
+                <a14:hiddenLine xmlns:a14="http://schemas.microsoft.com/office/drawing/2010/main" w="9525">
+                  <a:solidFill>
+                    <a:srgbClr val="000000"/>
+                  </a:solidFill>
+                  <a:miter lim="800000"/>
+                  <a:headEnd/>
+                  <a:tailEnd/>
+                </a14:hiddenLine>
+              </a:ext>
+            </a:extLst>
+          </p:spPr>
+          <p:txBody>
+            <a:bodyPr vert="horz" wrap="square" lIns="91440" tIns="45720" rIns="91440" bIns="45720" numCol="1" anchor="t" anchorCtr="0" compatLnSpc="1">
+              <a:prstTxWarp prst="textNoShape">
+                <a:avLst/>
+              </a:prstTxWarp>
+            </a:bodyPr>
+            <a:lstStyle/>
+            <a:p>
+              <a:pPr marL="0" marR="0" lvl="0" indent="0" algn="ctr" defTabSz="914400" rtl="0" eaLnBrk="0" fontAlgn="base" latinLnBrk="0" hangingPunct="0">
+                <a:lnSpc>
+                  <a:spcPct val="100000"/>
+                </a:lnSpc>
+                <a:spcBef>
+                  <a:spcPct val="0"/>
+                </a:spcBef>
+                <a:spcAft>
+                  <a:spcPct val="0"/>
+                </a:spcAft>
+                <a:buClrTx/>
+                <a:buSzTx/>
+                <a:buFontTx/>
+                <a:buNone/>
+                <a:tabLst/>
+              </a:pPr>
+              <a:r>
+                <a:rPr kumimoji="0" lang="en-US" altLang="en-US" b="0" i="0" u="none" strike="noStrike" cap="none" normalizeH="0" baseline="0">
+                  <a:ln>
+                    <a:noFill/>
+                  </a:ln>
+                  <a:solidFill>
+                    <a:schemeClr val="tx1"/>
+                  </a:solidFill>
+                  <a:effectLst/>
+                  <a:latin typeface="Arial" panose="020B0604020202020204" pitchFamily="34" charset="0"/>
+                  <a:ea typeface="Times New Roman" panose="02020603050405020304" pitchFamily="18" charset="0"/>
+                </a:rPr>
+                <a:t>Document Repository:</a:t>
+              </a:r>
+              <a:br>
+                <a:rPr kumimoji="0" lang="en-US" altLang="en-US" b="0" i="0" u="none" strike="noStrike" cap="none" normalizeH="0" baseline="0">
+                  <a:ln>
+                    <a:noFill/>
+                  </a:ln>
+                  <a:solidFill>
+                    <a:schemeClr val="tx1"/>
+                  </a:solidFill>
+                  <a:effectLst/>
+                  <a:latin typeface="Arial" panose="020B0604020202020204" pitchFamily="34" charset="0"/>
+                  <a:ea typeface="Times New Roman" panose="02020603050405020304" pitchFamily="18" charset="0"/>
+                </a:rPr>
+              </a:br>
+              <a:r>
+                <a:rPr kumimoji="0" lang="en-US" altLang="en-US" b="0" i="1" u="none" strike="noStrike" cap="none" normalizeH="0" baseline="0">
+                  <a:ln>
+                    <a:noFill/>
+                  </a:ln>
+                  <a:solidFill>
+                    <a:schemeClr val="tx1"/>
+                  </a:solidFill>
+                  <a:effectLst/>
+                  <a:latin typeface="Arial" panose="020B0604020202020204" pitchFamily="34" charset="0"/>
+                  <a:ea typeface="Times New Roman" panose="02020603050405020304" pitchFamily="18" charset="0"/>
+                </a:rPr>
+                <a:t>(Cardiology Network)</a:t>
+              </a:r>
+              <a:endParaRPr kumimoji="0" lang="en-US" altLang="en-US" sz="4400" b="0" i="0" u="none" strike="noStrike" cap="none" normalizeH="0" baseline="0">
                 <a:ln>
                   <a:noFill/>
                 </a:ln>
@@ -3880,922 +4504,257 @@
                 </a:solidFill>
                 <a:effectLst/>
                 <a:latin typeface="Arial" panose="020B0604020202020204" pitchFamily="34" charset="0"/>
-                <a:ea typeface="Times New Roman" panose="02020603050405020304" pitchFamily="18" charset="0"/>
-              </a:rPr>
-              <a:t>Document Consumer:</a:t>
-            </a:r>
-            <a:br>
-              <a:rPr kumimoji="0" lang="en-US" altLang="en-US" sz="900" b="0" i="0" u="none" strike="noStrike" cap="none" normalizeH="0" baseline="0">
-                <a:ln>
+              </a:endParaRPr>
+            </a:p>
+          </p:txBody>
+        </p:sp>
+        <p:sp>
+          <p:nvSpPr>
+            <p:cNvPr id="18" name="Line 5">
+              <a:extLst>
+                <a:ext uri="{FF2B5EF4-FFF2-40B4-BE49-F238E27FC236}">
+                  <a16:creationId xmlns:a16="http://schemas.microsoft.com/office/drawing/2014/main" id="{20AD7C40-31F0-D04A-B4F9-773C52796708}"/>
+                </a:ext>
+              </a:extLst>
+            </p:cNvPr>
+            <p:cNvSpPr>
+              <a:spLocks noChangeShapeType="1"/>
+            </p:cNvSpPr>
+            <p:nvPr/>
+          </p:nvSpPr>
+          <p:spPr bwMode="auto">
+            <a:xfrm flipH="1">
+              <a:off x="4159250" y="1319213"/>
+              <a:ext cx="0" cy="1651000"/>
+            </a:xfrm>
+            <a:prstGeom prst="line">
+              <a:avLst/>
+            </a:prstGeom>
+            <a:noFill/>
+            <a:ln w="9525">
+              <a:solidFill>
+                <a:srgbClr val="000000"/>
+              </a:solidFill>
+              <a:prstDash val="sysDot"/>
+              <a:round/>
+              <a:headEnd/>
+              <a:tailEnd/>
+            </a:ln>
+            <a:extLst>
+              <a:ext uri="{909E8E84-426E-40DD-AFC4-6F175D3DCCD1}">
+                <a14:hiddenFill xmlns:a14="http://schemas.microsoft.com/office/drawing/2010/main">
                   <a:noFill/>
-                </a:ln>
-                <a:solidFill>
-                  <a:schemeClr val="tx1"/>
-                </a:solidFill>
-                <a:effectLst/>
-                <a:latin typeface="Arial" panose="020B0604020202020204" pitchFamily="34" charset="0"/>
-                <a:ea typeface="Times New Roman" panose="02020603050405020304" pitchFamily="18" charset="0"/>
-              </a:rPr>
-            </a:br>
-            <a:r>
-              <a:rPr kumimoji="0" lang="en-US" altLang="en-US" sz="900" b="0" i="1" u="none" strike="noStrike" cap="none" normalizeH="0" baseline="0">
-                <a:ln>
+                </a14:hiddenFill>
+              </a:ext>
+            </a:extLst>
+          </p:spPr>
+          <p:txBody>
+            <a:bodyPr vert="horz" wrap="square" lIns="91440" tIns="45720" rIns="91440" bIns="45720" numCol="1" anchor="t" anchorCtr="0" compatLnSpc="1">
+              <a:prstTxWarp prst="textNoShape">
+                <a:avLst/>
+              </a:prstTxWarp>
+            </a:bodyPr>
+            <a:lstStyle/>
+            <a:p>
+              <a:endParaRPr lang="en-US" sz="4400"/>
+            </a:p>
+          </p:txBody>
+        </p:sp>
+        <p:sp>
+          <p:nvSpPr>
+            <p:cNvPr id="19" name="Rectangle 4">
+              <a:extLst>
+                <a:ext uri="{FF2B5EF4-FFF2-40B4-BE49-F238E27FC236}">
+                  <a16:creationId xmlns:a16="http://schemas.microsoft.com/office/drawing/2014/main" id="{54B56523-603C-8C41-BDDA-05BDE7E4A86E}"/>
+                </a:ext>
+              </a:extLst>
+            </p:cNvPr>
+            <p:cNvSpPr>
+              <a:spLocks noChangeArrowheads="1"/>
+            </p:cNvSpPr>
+            <p:nvPr/>
+          </p:nvSpPr>
+          <p:spPr bwMode="auto">
+            <a:xfrm>
+              <a:off x="3284538" y="1868488"/>
+              <a:ext cx="114300" cy="280987"/>
+            </a:xfrm>
+            <a:prstGeom prst="rect">
+              <a:avLst/>
+            </a:prstGeom>
+            <a:solidFill>
+              <a:srgbClr val="FFFFFF"/>
+            </a:solidFill>
+            <a:ln w="9525">
+              <a:solidFill>
+                <a:srgbClr val="000000"/>
+              </a:solidFill>
+              <a:miter lim="800000"/>
+              <a:headEnd/>
+              <a:tailEnd/>
+            </a:ln>
+          </p:spPr>
+          <p:txBody>
+            <a:bodyPr vert="horz" wrap="square" lIns="91440" tIns="45720" rIns="91440" bIns="45720" numCol="1" anchor="t" anchorCtr="0" compatLnSpc="1">
+              <a:prstTxWarp prst="textNoShape">
+                <a:avLst/>
+              </a:prstTxWarp>
+            </a:bodyPr>
+            <a:lstStyle/>
+            <a:p>
+              <a:endParaRPr lang="en-US" sz="4400"/>
+            </a:p>
+          </p:txBody>
+        </p:sp>
+        <p:sp>
+          <p:nvSpPr>
+            <p:cNvPr id="20" name="Line 3">
+              <a:extLst>
+                <a:ext uri="{FF2B5EF4-FFF2-40B4-BE49-F238E27FC236}">
+                  <a16:creationId xmlns:a16="http://schemas.microsoft.com/office/drawing/2014/main" id="{7FA27D8C-A0B1-104D-B54D-002AEEA37F6F}"/>
+                </a:ext>
+              </a:extLst>
+            </p:cNvPr>
+            <p:cNvSpPr>
+              <a:spLocks noChangeShapeType="1"/>
+            </p:cNvSpPr>
+            <p:nvPr/>
+          </p:nvSpPr>
+          <p:spPr bwMode="auto">
+            <a:xfrm>
+              <a:off x="598488" y="2020888"/>
+              <a:ext cx="2686050" cy="0"/>
+            </a:xfrm>
+            <a:prstGeom prst="line">
+              <a:avLst/>
+            </a:prstGeom>
+            <a:noFill/>
+            <a:ln w="9525">
+              <a:solidFill>
+                <a:srgbClr val="000000"/>
+              </a:solidFill>
+              <a:round/>
+              <a:headEnd/>
+              <a:tailEnd type="triangle" w="med" len="med"/>
+            </a:ln>
+            <a:extLst>
+              <a:ext uri="{909E8E84-426E-40DD-AFC4-6F175D3DCCD1}">
+                <a14:hiddenFill xmlns:a14="http://schemas.microsoft.com/office/drawing/2010/main">
                   <a:noFill/>
-                </a:ln>
-                <a:solidFill>
-                  <a:schemeClr val="tx1"/>
-                </a:solidFill>
-                <a:effectLst/>
-                <a:latin typeface="Arial" panose="020B0604020202020204" pitchFamily="34" charset="0"/>
-                <a:ea typeface="Times New Roman" panose="02020603050405020304" pitchFamily="18" charset="0"/>
-              </a:rPr>
-              <a:t>(ER EHR-CR)</a:t>
-            </a:r>
-            <a:endParaRPr kumimoji="0" lang="en-US" altLang="en-US" sz="1800" b="0" i="0" u="none" strike="noStrike" cap="none" normalizeH="0" baseline="0">
-              <a:ln>
-                <a:noFill/>
-              </a:ln>
+                </a14:hiddenFill>
+              </a:ext>
+            </a:extLst>
+          </p:spPr>
+          <p:txBody>
+            <a:bodyPr vert="horz" wrap="square" lIns="91440" tIns="45720" rIns="91440" bIns="45720" numCol="1" anchor="t" anchorCtr="0" compatLnSpc="1">
+              <a:prstTxWarp prst="textNoShape">
+                <a:avLst/>
+              </a:prstTxWarp>
+            </a:bodyPr>
+            <a:lstStyle/>
+            <a:p>
+              <a:endParaRPr lang="en-US" sz="4400"/>
+            </a:p>
+          </p:txBody>
+        </p:sp>
+        <p:sp>
+          <p:nvSpPr>
+            <p:cNvPr id="21" name="Rectangle 2">
+              <a:extLst>
+                <a:ext uri="{FF2B5EF4-FFF2-40B4-BE49-F238E27FC236}">
+                  <a16:creationId xmlns:a16="http://schemas.microsoft.com/office/drawing/2014/main" id="{9EF4EDCD-107D-0B4E-B02B-F22588A8BDF9}"/>
+                </a:ext>
+              </a:extLst>
+            </p:cNvPr>
+            <p:cNvSpPr>
+              <a:spLocks noChangeArrowheads="1"/>
+            </p:cNvSpPr>
+            <p:nvPr/>
+          </p:nvSpPr>
+          <p:spPr bwMode="auto">
+            <a:xfrm>
+              <a:off x="4087813" y="2236788"/>
+              <a:ext cx="114300" cy="280987"/>
+            </a:xfrm>
+            <a:prstGeom prst="rect">
+              <a:avLst/>
+            </a:prstGeom>
+            <a:solidFill>
+              <a:srgbClr val="FFFFFF"/>
+            </a:solidFill>
+            <a:ln w="9525">
               <a:solidFill>
-                <a:schemeClr val="tx1"/>
+                <a:srgbClr val="000000"/>
               </a:solidFill>
-              <a:effectLst/>
-              <a:latin typeface="Arial" panose="020B0604020202020204" pitchFamily="34" charset="0"/>
-            </a:endParaRPr>
-          </a:p>
-        </p:txBody>
-      </p:sp>
-      <p:sp>
-        <p:nvSpPr>
-          <p:cNvPr id="11" name="Line 12">
-            <a:extLst>
-              <a:ext uri="{FF2B5EF4-FFF2-40B4-BE49-F238E27FC236}">
-                <a16:creationId xmlns:a16="http://schemas.microsoft.com/office/drawing/2014/main" id="{7FDDBFC8-0F5E-7A49-9C97-1EB040412E26}"/>
-              </a:ext>
-            </a:extLst>
-          </p:cNvPr>
-          <p:cNvSpPr>
-            <a:spLocks noChangeShapeType="1"/>
-          </p:cNvSpPr>
-          <p:nvPr/>
-        </p:nvSpPr>
-        <p:spPr bwMode="auto">
-          <a:xfrm flipH="1">
-            <a:off x="539750" y="1319213"/>
-            <a:ext cx="0" cy="1651000"/>
-          </a:xfrm>
-          <a:prstGeom prst="line">
-            <a:avLst/>
-          </a:prstGeom>
-          <a:noFill/>
-          <a:ln w="9525">
-            <a:solidFill>
-              <a:srgbClr val="000000"/>
-            </a:solidFill>
-            <a:prstDash val="sysDot"/>
-            <a:round/>
-            <a:headEnd/>
-            <a:tailEnd/>
-          </a:ln>
-          <a:extLst>
-            <a:ext uri="{909E8E84-426E-40DD-AFC4-6F175D3DCCD1}">
-              <a14:hiddenFill xmlns:a14="http://schemas.microsoft.com/office/drawing/2010/main">
-                <a:noFill/>
-              </a14:hiddenFill>
-            </a:ext>
-          </a:extLst>
-        </p:spPr>
-        <p:txBody>
-          <a:bodyPr vert="horz" wrap="square" lIns="91440" tIns="45720" rIns="91440" bIns="45720" numCol="1" anchor="t" anchorCtr="0" compatLnSpc="1">
-            <a:prstTxWarp prst="textNoShape">
+              <a:miter lim="800000"/>
+              <a:headEnd/>
+              <a:tailEnd/>
+            </a:ln>
+          </p:spPr>
+          <p:txBody>
+            <a:bodyPr vert="horz" wrap="square" lIns="91440" tIns="45720" rIns="91440" bIns="45720" numCol="1" anchor="t" anchorCtr="0" compatLnSpc="1">
+              <a:prstTxWarp prst="textNoShape">
+                <a:avLst/>
+              </a:prstTxWarp>
+            </a:bodyPr>
+            <a:lstStyle/>
+            <a:p>
+              <a:endParaRPr lang="en-US" sz="4400"/>
+            </a:p>
+          </p:txBody>
+        </p:sp>
+        <p:sp>
+          <p:nvSpPr>
+            <p:cNvPr id="22" name="Line 1">
+              <a:extLst>
+                <a:ext uri="{FF2B5EF4-FFF2-40B4-BE49-F238E27FC236}">
+                  <a16:creationId xmlns:a16="http://schemas.microsoft.com/office/drawing/2014/main" id="{38043D6C-8F92-EB46-8BBD-A9054230F601}"/>
+                </a:ext>
+              </a:extLst>
+            </p:cNvPr>
+            <p:cNvSpPr>
+              <a:spLocks noChangeShapeType="1"/>
+            </p:cNvSpPr>
+            <p:nvPr/>
+          </p:nvSpPr>
+          <p:spPr bwMode="auto">
+            <a:xfrm>
+              <a:off x="600075" y="2389188"/>
+              <a:ext cx="3487738" cy="0"/>
+            </a:xfrm>
+            <a:prstGeom prst="line">
               <a:avLst/>
-            </a:prstTxWarp>
-          </a:bodyPr>
-          <a:lstStyle/>
-          <a:p>
-            <a:endParaRPr lang="en-US"/>
-          </a:p>
-        </p:txBody>
-      </p:sp>
-      <p:sp>
-        <p:nvSpPr>
-          <p:cNvPr id="12" name="Rectangle 11">
-            <a:extLst>
-              <a:ext uri="{FF2B5EF4-FFF2-40B4-BE49-F238E27FC236}">
-                <a16:creationId xmlns:a16="http://schemas.microsoft.com/office/drawing/2014/main" id="{9C256F4C-8BEB-014A-9EE0-EFE2C6760CD1}"/>
-              </a:ext>
-            </a:extLst>
-          </p:cNvPr>
-          <p:cNvSpPr>
-            <a:spLocks noChangeArrowheads="1"/>
-          </p:cNvSpPr>
-          <p:nvPr/>
-        </p:nvSpPr>
-        <p:spPr bwMode="auto">
-          <a:xfrm>
-            <a:off x="477838" y="1381125"/>
-            <a:ext cx="120650" cy="1558925"/>
-          </a:xfrm>
-          <a:prstGeom prst="rect">
-            <a:avLst/>
-          </a:prstGeom>
-          <a:solidFill>
-            <a:srgbClr val="FFFFFF"/>
-          </a:solidFill>
-          <a:ln w="9525">
-            <a:solidFill>
-              <a:srgbClr val="000000"/>
-            </a:solidFill>
-            <a:miter lim="800000"/>
-            <a:headEnd/>
-            <a:tailEnd/>
-          </a:ln>
-        </p:spPr>
-        <p:txBody>
-          <a:bodyPr vert="horz" wrap="square" lIns="91440" tIns="45720" rIns="91440" bIns="45720" numCol="1" anchor="t" anchorCtr="0" compatLnSpc="1">
-            <a:prstTxWarp prst="textNoShape">
-              <a:avLst/>
-            </a:prstTxWarp>
-          </a:bodyPr>
-          <a:lstStyle/>
-          <a:p>
-            <a:endParaRPr lang="en-US"/>
-          </a:p>
-        </p:txBody>
-      </p:sp>
-      <p:sp>
-        <p:nvSpPr>
-          <p:cNvPr id="13" name="Line 10">
-            <a:extLst>
-              <a:ext uri="{FF2B5EF4-FFF2-40B4-BE49-F238E27FC236}">
-                <a16:creationId xmlns:a16="http://schemas.microsoft.com/office/drawing/2014/main" id="{942BE8BD-035A-5945-B627-6001B77577E7}"/>
-              </a:ext>
-            </a:extLst>
-          </p:cNvPr>
-          <p:cNvSpPr>
-            <a:spLocks noChangeShapeType="1"/>
-          </p:cNvSpPr>
-          <p:nvPr/>
-        </p:nvSpPr>
-        <p:spPr bwMode="auto">
-          <a:xfrm>
-            <a:off x="598488" y="1471613"/>
-            <a:ext cx="4473575" cy="0"/>
-          </a:xfrm>
-          <a:prstGeom prst="line">
-            <a:avLst/>
-          </a:prstGeom>
-          <a:noFill/>
-          <a:ln w="9525">
-            <a:solidFill>
-              <a:srgbClr val="000000"/>
-            </a:solidFill>
-            <a:round/>
-            <a:headEnd/>
-            <a:tailEnd type="triangle" w="med" len="med"/>
-          </a:ln>
-          <a:extLst>
-            <a:ext uri="{909E8E84-426E-40DD-AFC4-6F175D3DCCD1}">
-              <a14:hiddenFill xmlns:a14="http://schemas.microsoft.com/office/drawing/2010/main">
-                <a:noFill/>
-              </a14:hiddenFill>
-            </a:ext>
-          </a:extLst>
-        </p:spPr>
-        <p:txBody>
-          <a:bodyPr vert="horz" wrap="square" lIns="91440" tIns="45720" rIns="91440" bIns="45720" numCol="1" anchor="t" anchorCtr="0" compatLnSpc="1">
-            <a:prstTxWarp prst="textNoShape">
-              <a:avLst/>
-            </a:prstTxWarp>
-          </a:bodyPr>
-          <a:lstStyle/>
-          <a:p>
-            <a:endParaRPr lang="en-US"/>
-          </a:p>
-        </p:txBody>
-      </p:sp>
-      <p:sp>
-        <p:nvSpPr>
-          <p:cNvPr id="14" name="Text Box 9">
-            <a:extLst>
-              <a:ext uri="{FF2B5EF4-FFF2-40B4-BE49-F238E27FC236}">
-                <a16:creationId xmlns:a16="http://schemas.microsoft.com/office/drawing/2014/main" id="{7D10D39F-77DD-0647-B55D-2E87A12F6909}"/>
-              </a:ext>
-            </a:extLst>
-          </p:cNvPr>
-          <p:cNvSpPr txBox="1">
-            <a:spLocks noChangeArrowheads="1"/>
-          </p:cNvSpPr>
-          <p:nvPr/>
-        </p:nvSpPr>
-        <p:spPr bwMode="auto">
-          <a:xfrm>
-            <a:off x="2098675" y="1290638"/>
-            <a:ext cx="1104900" cy="260350"/>
-          </a:xfrm>
-          <a:prstGeom prst="rect">
-            <a:avLst/>
-          </a:prstGeom>
-          <a:noFill/>
-          <a:ln>
+            </a:prstGeom>
             <a:noFill/>
-          </a:ln>
-          <a:extLst>
-            <a:ext uri="{909E8E84-426E-40DD-AFC4-6F175D3DCCD1}">
-              <a14:hiddenFill xmlns:a14="http://schemas.microsoft.com/office/drawing/2010/main">
-                <a:solidFill>
-                  <a:srgbClr val="FFFFFF"/>
-                </a:solidFill>
-              </a14:hiddenFill>
-            </a:ext>
-            <a:ext uri="{91240B29-F687-4F45-9708-019B960494DF}">
-              <a14:hiddenLine xmlns:a14="http://schemas.microsoft.com/office/drawing/2010/main" w="9525">
-                <a:solidFill>
-                  <a:srgbClr val="000000"/>
-                </a:solidFill>
-                <a:miter lim="800000"/>
-                <a:headEnd/>
-                <a:tailEnd/>
-              </a14:hiddenLine>
-            </a:ext>
-          </a:extLst>
-        </p:spPr>
-        <p:txBody>
-          <a:bodyPr vert="horz" wrap="square" lIns="91440" tIns="45720" rIns="91440" bIns="45720" numCol="1" anchor="t" anchorCtr="0" compatLnSpc="1">
-            <a:prstTxWarp prst="textNoShape">
-              <a:avLst/>
-            </a:prstTxWarp>
-          </a:bodyPr>
-          <a:lstStyle/>
-          <a:p>
-            <a:pPr marL="0" marR="0" lvl="0" indent="0" algn="ctr" defTabSz="914400" rtl="0" eaLnBrk="0" fontAlgn="base" latinLnBrk="0" hangingPunct="0">
-              <a:lnSpc>
-                <a:spcPct val="100000"/>
-              </a:lnSpc>
-              <a:spcBef>
-                <a:spcPct val="0"/>
-              </a:spcBef>
-              <a:spcAft>
-                <a:spcPct val="0"/>
-              </a:spcAft>
-              <a:buClrTx/>
-              <a:buSzTx/>
-              <a:buFontTx/>
-              <a:buNone/>
-              <a:tabLst/>
-            </a:pPr>
-            <a:r>
-              <a:rPr kumimoji="0" lang="en-US" altLang="en-US" sz="800" b="0" i="0" u="none" strike="noStrike" cap="none" normalizeH="0" baseline="0">
-                <a:ln>
+            <a:ln w="9525">
+              <a:solidFill>
+                <a:srgbClr val="000000"/>
+              </a:solidFill>
+              <a:round/>
+              <a:headEnd/>
+              <a:tailEnd type="triangle" w="med" len="med"/>
+            </a:ln>
+            <a:extLst>
+              <a:ext uri="{909E8E84-426E-40DD-AFC4-6F175D3DCCD1}">
+                <a14:hiddenFill xmlns:a14="http://schemas.microsoft.com/office/drawing/2010/main">
                   <a:noFill/>
-                </a:ln>
-                <a:solidFill>
-                  <a:schemeClr val="tx1"/>
-                </a:solidFill>
-                <a:effectLst/>
-                <a:latin typeface="Arial" panose="020B0604020202020204" pitchFamily="34" charset="0"/>
-                <a:ea typeface="Times New Roman" panose="02020603050405020304" pitchFamily="18" charset="0"/>
-              </a:rPr>
-              <a:t>1. Query Documents</a:t>
-            </a:r>
-            <a:endParaRPr kumimoji="0" lang="en-US" altLang="en-US" sz="1800" b="0" i="0" u="none" strike="noStrike" cap="none" normalizeH="0" baseline="0">
-              <a:ln>
-                <a:noFill/>
-              </a:ln>
-              <a:solidFill>
-                <a:schemeClr val="tx1"/>
-              </a:solidFill>
-              <a:effectLst/>
-              <a:latin typeface="Arial" panose="020B0604020202020204" pitchFamily="34" charset="0"/>
-            </a:endParaRPr>
-          </a:p>
-        </p:txBody>
-      </p:sp>
-      <p:sp>
-        <p:nvSpPr>
-          <p:cNvPr id="15" name="Rectangle 8">
-            <a:extLst>
-              <a:ext uri="{FF2B5EF4-FFF2-40B4-BE49-F238E27FC236}">
-                <a16:creationId xmlns:a16="http://schemas.microsoft.com/office/drawing/2014/main" id="{D5EA2E5C-6A0F-6144-B112-347BFDE080D3}"/>
-              </a:ext>
-            </a:extLst>
-          </p:cNvPr>
-          <p:cNvSpPr>
-            <a:spLocks noChangeArrowheads="1"/>
-          </p:cNvSpPr>
-          <p:nvPr/>
-        </p:nvSpPr>
-        <p:spPr bwMode="auto">
-          <a:xfrm>
-            <a:off x="5072063" y="1350963"/>
-            <a:ext cx="114300" cy="280987"/>
-          </a:xfrm>
-          <a:prstGeom prst="rect">
-            <a:avLst/>
-          </a:prstGeom>
-          <a:solidFill>
-            <a:srgbClr val="FFFFFF"/>
-          </a:solidFill>
-          <a:ln w="9525">
-            <a:solidFill>
-              <a:srgbClr val="000000"/>
-            </a:solidFill>
-            <a:miter lim="800000"/>
-            <a:headEnd/>
-            <a:tailEnd/>
-          </a:ln>
-        </p:spPr>
-        <p:txBody>
-          <a:bodyPr vert="horz" wrap="square" lIns="91440" tIns="45720" rIns="91440" bIns="45720" numCol="1" anchor="t" anchorCtr="0" compatLnSpc="1">
-            <a:prstTxWarp prst="textNoShape">
-              <a:avLst/>
-            </a:prstTxWarp>
-          </a:bodyPr>
-          <a:lstStyle/>
-          <a:p>
-            <a:endParaRPr lang="en-US"/>
-          </a:p>
-        </p:txBody>
-      </p:sp>
-      <p:sp>
-        <p:nvSpPr>
-          <p:cNvPr id="16" name="Rectangle 7">
-            <a:extLst>
-              <a:ext uri="{FF2B5EF4-FFF2-40B4-BE49-F238E27FC236}">
-                <a16:creationId xmlns:a16="http://schemas.microsoft.com/office/drawing/2014/main" id="{2EA904C9-97A0-D546-9DFA-4364EA6D8227}"/>
-              </a:ext>
-            </a:extLst>
-          </p:cNvPr>
-          <p:cNvSpPr>
-            <a:spLocks noChangeArrowheads="1"/>
-          </p:cNvSpPr>
-          <p:nvPr/>
-        </p:nvSpPr>
-        <p:spPr bwMode="auto">
-          <a:xfrm>
-            <a:off x="2957513" y="685800"/>
-            <a:ext cx="769937" cy="633413"/>
-          </a:xfrm>
-          <a:prstGeom prst="rect">
-            <a:avLst/>
-          </a:prstGeom>
-          <a:solidFill>
-            <a:srgbClr val="FFFFFF"/>
-          </a:solidFill>
-          <a:ln>
-            <a:noFill/>
-          </a:ln>
-          <a:extLst>
-            <a:ext uri="{91240B29-F687-4F45-9708-019B960494DF}">
-              <a14:hiddenLine xmlns:a14="http://schemas.microsoft.com/office/drawing/2010/main" w="9525">
-                <a:solidFill>
-                  <a:srgbClr val="000000"/>
-                </a:solidFill>
-                <a:miter lim="800000"/>
-                <a:headEnd/>
-                <a:tailEnd/>
-              </a14:hiddenLine>
-            </a:ext>
-          </a:extLst>
-        </p:spPr>
-        <p:txBody>
-          <a:bodyPr vert="horz" wrap="square" lIns="91440" tIns="45720" rIns="91440" bIns="45720" numCol="1" anchor="t" anchorCtr="0" compatLnSpc="1">
-            <a:prstTxWarp prst="textNoShape">
-              <a:avLst/>
-            </a:prstTxWarp>
-          </a:bodyPr>
-          <a:lstStyle/>
-          <a:p>
-            <a:pPr marL="0" marR="0" lvl="0" indent="0" algn="ctr" defTabSz="914400" rtl="0" eaLnBrk="0" fontAlgn="base" latinLnBrk="0" hangingPunct="0">
-              <a:lnSpc>
-                <a:spcPct val="100000"/>
-              </a:lnSpc>
-              <a:spcBef>
-                <a:spcPct val="0"/>
-              </a:spcBef>
-              <a:spcAft>
-                <a:spcPct val="0"/>
-              </a:spcAft>
-              <a:buClrTx/>
-              <a:buSzTx/>
-              <a:buFontTx/>
-              <a:buNone/>
-              <a:tabLst/>
-            </a:pPr>
-            <a:r>
-              <a:rPr kumimoji="0" lang="en-US" altLang="en-US" sz="900" b="0" i="0" u="none" strike="noStrike" cap="none" normalizeH="0" baseline="0">
-                <a:ln>
-                  <a:noFill/>
-                </a:ln>
-                <a:solidFill>
-                  <a:schemeClr val="tx1"/>
-                </a:solidFill>
-                <a:effectLst/>
-                <a:latin typeface="Arial" panose="020B0604020202020204" pitchFamily="34" charset="0"/>
-                <a:ea typeface="Times New Roman" panose="02020603050405020304" pitchFamily="18" charset="0"/>
-              </a:rPr>
-              <a:t>Document Repository:</a:t>
-            </a:r>
-            <a:br>
-              <a:rPr kumimoji="0" lang="en-US" altLang="en-US" sz="900" b="0" i="0" u="none" strike="noStrike" cap="none" normalizeH="0" baseline="0">
-                <a:ln>
-                  <a:noFill/>
-                </a:ln>
-                <a:solidFill>
-                  <a:schemeClr val="tx1"/>
-                </a:solidFill>
-                <a:effectLst/>
-                <a:latin typeface="Arial" panose="020B0604020202020204" pitchFamily="34" charset="0"/>
-                <a:ea typeface="Times New Roman" panose="02020603050405020304" pitchFamily="18" charset="0"/>
-              </a:rPr>
-            </a:br>
-            <a:r>
-              <a:rPr kumimoji="0" lang="en-US" altLang="en-US" sz="900" b="0" i="1" u="none" strike="noStrike" cap="none" normalizeH="0" baseline="0">
-                <a:ln>
-                  <a:noFill/>
-                </a:ln>
-                <a:solidFill>
-                  <a:schemeClr val="tx1"/>
-                </a:solidFill>
-                <a:effectLst/>
-                <a:latin typeface="Arial" panose="020B0604020202020204" pitchFamily="34" charset="0"/>
-                <a:ea typeface="Times New Roman" panose="02020603050405020304" pitchFamily="18" charset="0"/>
-              </a:rPr>
-              <a:t>(Hospital</a:t>
-            </a:r>
-            <a:br>
-              <a:rPr kumimoji="0" lang="en-US" altLang="en-US" sz="900" b="0" i="1" u="none" strike="noStrike" cap="none" normalizeH="0" baseline="0">
-                <a:ln>
-                  <a:noFill/>
-                </a:ln>
-                <a:solidFill>
-                  <a:schemeClr val="tx1"/>
-                </a:solidFill>
-                <a:effectLst/>
-                <a:latin typeface="Arial" panose="020B0604020202020204" pitchFamily="34" charset="0"/>
-                <a:ea typeface="Times New Roman" panose="02020603050405020304" pitchFamily="18" charset="0"/>
-              </a:rPr>
-            </a:br>
-            <a:r>
-              <a:rPr kumimoji="0" lang="en-US" altLang="en-US" sz="900" b="0" i="1" u="none" strike="noStrike" cap="none" normalizeH="0" baseline="0">
-                <a:ln>
-                  <a:noFill/>
-                </a:ln>
-                <a:solidFill>
-                  <a:schemeClr val="tx1"/>
-                </a:solidFill>
-                <a:effectLst/>
-                <a:latin typeface="Arial" panose="020B0604020202020204" pitchFamily="34" charset="0"/>
-                <a:ea typeface="Times New Roman" panose="02020603050405020304" pitchFamily="18" charset="0"/>
-              </a:rPr>
-              <a:t>EHR-CR)</a:t>
-            </a:r>
-            <a:endParaRPr kumimoji="0" lang="en-US" altLang="en-US" sz="1800" b="0" i="0" u="none" strike="noStrike" cap="none" normalizeH="0" baseline="0">
-              <a:ln>
-                <a:noFill/>
-              </a:ln>
-              <a:solidFill>
-                <a:schemeClr val="tx1"/>
-              </a:solidFill>
-              <a:effectLst/>
-              <a:latin typeface="Arial" panose="020B0604020202020204" pitchFamily="34" charset="0"/>
-            </a:endParaRPr>
-          </a:p>
-        </p:txBody>
-      </p:sp>
-      <p:sp>
-        <p:nvSpPr>
-          <p:cNvPr id="17" name="Rectangle 6">
-            <a:extLst>
-              <a:ext uri="{FF2B5EF4-FFF2-40B4-BE49-F238E27FC236}">
-                <a16:creationId xmlns:a16="http://schemas.microsoft.com/office/drawing/2014/main" id="{1910B731-69AF-1F4B-A1B7-DFF83B3704F4}"/>
-              </a:ext>
-            </a:extLst>
-          </p:cNvPr>
-          <p:cNvSpPr>
-            <a:spLocks noChangeArrowheads="1"/>
-          </p:cNvSpPr>
-          <p:nvPr/>
-        </p:nvSpPr>
-        <p:spPr bwMode="auto">
-          <a:xfrm>
-            <a:off x="3783013" y="685800"/>
-            <a:ext cx="769937" cy="633413"/>
-          </a:xfrm>
-          <a:prstGeom prst="rect">
-            <a:avLst/>
-          </a:prstGeom>
-          <a:solidFill>
-            <a:srgbClr val="FFFFFF"/>
-          </a:solidFill>
-          <a:ln>
-            <a:noFill/>
-          </a:ln>
-          <a:extLst>
-            <a:ext uri="{91240B29-F687-4F45-9708-019B960494DF}">
-              <a14:hiddenLine xmlns:a14="http://schemas.microsoft.com/office/drawing/2010/main" w="9525">
-                <a:solidFill>
-                  <a:srgbClr val="000000"/>
-                </a:solidFill>
-                <a:miter lim="800000"/>
-                <a:headEnd/>
-                <a:tailEnd/>
-              </a14:hiddenLine>
-            </a:ext>
-          </a:extLst>
-        </p:spPr>
-        <p:txBody>
-          <a:bodyPr vert="horz" wrap="square" lIns="91440" tIns="45720" rIns="91440" bIns="45720" numCol="1" anchor="t" anchorCtr="0" compatLnSpc="1">
-            <a:prstTxWarp prst="textNoShape">
-              <a:avLst/>
-            </a:prstTxWarp>
-          </a:bodyPr>
-          <a:lstStyle/>
-          <a:p>
-            <a:pPr marL="0" marR="0" lvl="0" indent="0" algn="ctr" defTabSz="914400" rtl="0" eaLnBrk="0" fontAlgn="base" latinLnBrk="0" hangingPunct="0">
-              <a:lnSpc>
-                <a:spcPct val="100000"/>
-              </a:lnSpc>
-              <a:spcBef>
-                <a:spcPct val="0"/>
-              </a:spcBef>
-              <a:spcAft>
-                <a:spcPct val="0"/>
-              </a:spcAft>
-              <a:buClrTx/>
-              <a:buSzTx/>
-              <a:buFontTx/>
-              <a:buNone/>
-              <a:tabLst/>
-            </a:pPr>
-            <a:r>
-              <a:rPr kumimoji="0" lang="en-US" altLang="en-US" sz="900" b="0" i="0" u="none" strike="noStrike" cap="none" normalizeH="0" baseline="0">
-                <a:ln>
-                  <a:noFill/>
-                </a:ln>
-                <a:solidFill>
-                  <a:schemeClr val="tx1"/>
-                </a:solidFill>
-                <a:effectLst/>
-                <a:latin typeface="Arial" panose="020B0604020202020204" pitchFamily="34" charset="0"/>
-                <a:ea typeface="Times New Roman" panose="02020603050405020304" pitchFamily="18" charset="0"/>
-              </a:rPr>
-              <a:t>Document Repository:</a:t>
-            </a:r>
-            <a:br>
-              <a:rPr kumimoji="0" lang="en-US" altLang="en-US" sz="900" b="0" i="0" u="none" strike="noStrike" cap="none" normalizeH="0" baseline="0">
-                <a:ln>
-                  <a:noFill/>
-                </a:ln>
-                <a:solidFill>
-                  <a:schemeClr val="tx1"/>
-                </a:solidFill>
-                <a:effectLst/>
-                <a:latin typeface="Arial" panose="020B0604020202020204" pitchFamily="34" charset="0"/>
-                <a:ea typeface="Times New Roman" panose="02020603050405020304" pitchFamily="18" charset="0"/>
-              </a:rPr>
-            </a:br>
-            <a:r>
-              <a:rPr kumimoji="0" lang="en-US" altLang="en-US" sz="900" b="0" i="1" u="none" strike="noStrike" cap="none" normalizeH="0" baseline="0">
-                <a:ln>
-                  <a:noFill/>
-                </a:ln>
-                <a:solidFill>
-                  <a:schemeClr val="tx1"/>
-                </a:solidFill>
-                <a:effectLst/>
-                <a:latin typeface="Arial" panose="020B0604020202020204" pitchFamily="34" charset="0"/>
-                <a:ea typeface="Times New Roman" panose="02020603050405020304" pitchFamily="18" charset="0"/>
-              </a:rPr>
-              <a:t>(Cardiology Network)</a:t>
-            </a:r>
-            <a:endParaRPr kumimoji="0" lang="en-US" altLang="en-US" sz="1800" b="0" i="0" u="none" strike="noStrike" cap="none" normalizeH="0" baseline="0">
-              <a:ln>
-                <a:noFill/>
-              </a:ln>
-              <a:solidFill>
-                <a:schemeClr val="tx1"/>
-              </a:solidFill>
-              <a:effectLst/>
-              <a:latin typeface="Arial" panose="020B0604020202020204" pitchFamily="34" charset="0"/>
-            </a:endParaRPr>
-          </a:p>
-        </p:txBody>
-      </p:sp>
-      <p:sp>
-        <p:nvSpPr>
-          <p:cNvPr id="18" name="Line 5">
-            <a:extLst>
-              <a:ext uri="{FF2B5EF4-FFF2-40B4-BE49-F238E27FC236}">
-                <a16:creationId xmlns:a16="http://schemas.microsoft.com/office/drawing/2014/main" id="{20AD7C40-31F0-D04A-B4F9-773C52796708}"/>
-              </a:ext>
-            </a:extLst>
-          </p:cNvPr>
-          <p:cNvSpPr>
-            <a:spLocks noChangeShapeType="1"/>
-          </p:cNvSpPr>
-          <p:nvPr/>
-        </p:nvSpPr>
-        <p:spPr bwMode="auto">
-          <a:xfrm flipH="1">
-            <a:off x="4159250" y="1319213"/>
-            <a:ext cx="0" cy="1651000"/>
-          </a:xfrm>
-          <a:prstGeom prst="line">
-            <a:avLst/>
-          </a:prstGeom>
-          <a:noFill/>
-          <a:ln w="9525">
-            <a:solidFill>
-              <a:srgbClr val="000000"/>
-            </a:solidFill>
-            <a:prstDash val="sysDot"/>
-            <a:round/>
-            <a:headEnd/>
-            <a:tailEnd/>
-          </a:ln>
-          <a:extLst>
-            <a:ext uri="{909E8E84-426E-40DD-AFC4-6F175D3DCCD1}">
-              <a14:hiddenFill xmlns:a14="http://schemas.microsoft.com/office/drawing/2010/main">
-                <a:noFill/>
-              </a14:hiddenFill>
-            </a:ext>
-          </a:extLst>
-        </p:spPr>
-        <p:txBody>
-          <a:bodyPr vert="horz" wrap="square" lIns="91440" tIns="45720" rIns="91440" bIns="45720" numCol="1" anchor="t" anchorCtr="0" compatLnSpc="1">
-            <a:prstTxWarp prst="textNoShape">
-              <a:avLst/>
-            </a:prstTxWarp>
-          </a:bodyPr>
-          <a:lstStyle/>
-          <a:p>
-            <a:endParaRPr lang="en-US"/>
-          </a:p>
-        </p:txBody>
-      </p:sp>
-      <p:sp>
-        <p:nvSpPr>
-          <p:cNvPr id="19" name="Rectangle 4">
-            <a:extLst>
-              <a:ext uri="{FF2B5EF4-FFF2-40B4-BE49-F238E27FC236}">
-                <a16:creationId xmlns:a16="http://schemas.microsoft.com/office/drawing/2014/main" id="{54B56523-603C-8C41-BDDA-05BDE7E4A86E}"/>
-              </a:ext>
-            </a:extLst>
-          </p:cNvPr>
-          <p:cNvSpPr>
-            <a:spLocks noChangeArrowheads="1"/>
-          </p:cNvSpPr>
-          <p:nvPr/>
-        </p:nvSpPr>
-        <p:spPr bwMode="auto">
-          <a:xfrm>
-            <a:off x="3284538" y="1868488"/>
-            <a:ext cx="114300" cy="280987"/>
-          </a:xfrm>
-          <a:prstGeom prst="rect">
-            <a:avLst/>
-          </a:prstGeom>
-          <a:solidFill>
-            <a:srgbClr val="FFFFFF"/>
-          </a:solidFill>
-          <a:ln w="9525">
-            <a:solidFill>
-              <a:srgbClr val="000000"/>
-            </a:solidFill>
-            <a:miter lim="800000"/>
-            <a:headEnd/>
-            <a:tailEnd/>
-          </a:ln>
-        </p:spPr>
-        <p:txBody>
-          <a:bodyPr vert="horz" wrap="square" lIns="91440" tIns="45720" rIns="91440" bIns="45720" numCol="1" anchor="t" anchorCtr="0" compatLnSpc="1">
-            <a:prstTxWarp prst="textNoShape">
-              <a:avLst/>
-            </a:prstTxWarp>
-          </a:bodyPr>
-          <a:lstStyle/>
-          <a:p>
-            <a:endParaRPr lang="en-US"/>
-          </a:p>
-        </p:txBody>
-      </p:sp>
-      <p:sp>
-        <p:nvSpPr>
-          <p:cNvPr id="20" name="Line 3">
-            <a:extLst>
-              <a:ext uri="{FF2B5EF4-FFF2-40B4-BE49-F238E27FC236}">
-                <a16:creationId xmlns:a16="http://schemas.microsoft.com/office/drawing/2014/main" id="{7FA27D8C-A0B1-104D-B54D-002AEEA37F6F}"/>
-              </a:ext>
-            </a:extLst>
-          </p:cNvPr>
-          <p:cNvSpPr>
-            <a:spLocks noChangeShapeType="1"/>
-          </p:cNvSpPr>
-          <p:nvPr/>
-        </p:nvSpPr>
-        <p:spPr bwMode="auto">
-          <a:xfrm>
-            <a:off x="598488" y="2020888"/>
-            <a:ext cx="2686050" cy="0"/>
-          </a:xfrm>
-          <a:prstGeom prst="line">
-            <a:avLst/>
-          </a:prstGeom>
-          <a:noFill/>
-          <a:ln w="9525">
-            <a:solidFill>
-              <a:srgbClr val="000000"/>
-            </a:solidFill>
-            <a:round/>
-            <a:headEnd/>
-            <a:tailEnd type="triangle" w="med" len="med"/>
-          </a:ln>
-          <a:extLst>
-            <a:ext uri="{909E8E84-426E-40DD-AFC4-6F175D3DCCD1}">
-              <a14:hiddenFill xmlns:a14="http://schemas.microsoft.com/office/drawing/2010/main">
-                <a:noFill/>
-              </a14:hiddenFill>
-            </a:ext>
-          </a:extLst>
-        </p:spPr>
-        <p:txBody>
-          <a:bodyPr vert="horz" wrap="square" lIns="91440" tIns="45720" rIns="91440" bIns="45720" numCol="1" anchor="t" anchorCtr="0" compatLnSpc="1">
-            <a:prstTxWarp prst="textNoShape">
-              <a:avLst/>
-            </a:prstTxWarp>
-          </a:bodyPr>
-          <a:lstStyle/>
-          <a:p>
-            <a:endParaRPr lang="en-US"/>
-          </a:p>
-        </p:txBody>
-      </p:sp>
-      <p:sp>
-        <p:nvSpPr>
-          <p:cNvPr id="21" name="Rectangle 2">
-            <a:extLst>
-              <a:ext uri="{FF2B5EF4-FFF2-40B4-BE49-F238E27FC236}">
-                <a16:creationId xmlns:a16="http://schemas.microsoft.com/office/drawing/2014/main" id="{9EF4EDCD-107D-0B4E-B02B-F22588A8BDF9}"/>
-              </a:ext>
-            </a:extLst>
-          </p:cNvPr>
-          <p:cNvSpPr>
-            <a:spLocks noChangeArrowheads="1"/>
-          </p:cNvSpPr>
-          <p:nvPr/>
-        </p:nvSpPr>
-        <p:spPr bwMode="auto">
-          <a:xfrm>
-            <a:off x="4087813" y="2236788"/>
-            <a:ext cx="114300" cy="280987"/>
-          </a:xfrm>
-          <a:prstGeom prst="rect">
-            <a:avLst/>
-          </a:prstGeom>
-          <a:solidFill>
-            <a:srgbClr val="FFFFFF"/>
-          </a:solidFill>
-          <a:ln w="9525">
-            <a:solidFill>
-              <a:srgbClr val="000000"/>
-            </a:solidFill>
-            <a:miter lim="800000"/>
-            <a:headEnd/>
-            <a:tailEnd/>
-          </a:ln>
-        </p:spPr>
-        <p:txBody>
-          <a:bodyPr vert="horz" wrap="square" lIns="91440" tIns="45720" rIns="91440" bIns="45720" numCol="1" anchor="t" anchorCtr="0" compatLnSpc="1">
-            <a:prstTxWarp prst="textNoShape">
-              <a:avLst/>
-            </a:prstTxWarp>
-          </a:bodyPr>
-          <a:lstStyle/>
-          <a:p>
-            <a:endParaRPr lang="en-US"/>
-          </a:p>
-        </p:txBody>
-      </p:sp>
-      <p:sp>
-        <p:nvSpPr>
-          <p:cNvPr id="22" name="Line 1">
-            <a:extLst>
-              <a:ext uri="{FF2B5EF4-FFF2-40B4-BE49-F238E27FC236}">
-                <a16:creationId xmlns:a16="http://schemas.microsoft.com/office/drawing/2014/main" id="{38043D6C-8F92-EB46-8BBD-A9054230F601}"/>
-              </a:ext>
-            </a:extLst>
-          </p:cNvPr>
-          <p:cNvSpPr>
-            <a:spLocks noChangeShapeType="1"/>
-          </p:cNvSpPr>
-          <p:nvPr/>
-        </p:nvSpPr>
-        <p:spPr bwMode="auto">
-          <a:xfrm>
-            <a:off x="600075" y="2389188"/>
-            <a:ext cx="3487738" cy="0"/>
-          </a:xfrm>
-          <a:prstGeom prst="line">
-            <a:avLst/>
-          </a:prstGeom>
-          <a:noFill/>
-          <a:ln w="9525">
-            <a:solidFill>
-              <a:srgbClr val="000000"/>
-            </a:solidFill>
-            <a:round/>
-            <a:headEnd/>
-            <a:tailEnd type="triangle" w="med" len="med"/>
-          </a:ln>
-          <a:extLst>
-            <a:ext uri="{909E8E84-426E-40DD-AFC4-6F175D3DCCD1}">
-              <a14:hiddenFill xmlns:a14="http://schemas.microsoft.com/office/drawing/2010/main">
-                <a:noFill/>
-              </a14:hiddenFill>
-            </a:ext>
-          </a:extLst>
-        </p:spPr>
-        <p:txBody>
-          <a:bodyPr vert="horz" wrap="square" lIns="91440" tIns="45720" rIns="91440" bIns="45720" numCol="1" anchor="t" anchorCtr="0" compatLnSpc="1">
-            <a:prstTxWarp prst="textNoShape">
-              <a:avLst/>
-            </a:prstTxWarp>
-          </a:bodyPr>
-          <a:lstStyle/>
-          <a:p>
-            <a:endParaRPr lang="en-US"/>
-          </a:p>
-        </p:txBody>
-      </p:sp>
-      <p:sp>
-        <p:nvSpPr>
-          <p:cNvPr id="23" name="Rectangle 20">
-            <a:extLst>
-              <a:ext uri="{FF2B5EF4-FFF2-40B4-BE49-F238E27FC236}">
-                <a16:creationId xmlns:a16="http://schemas.microsoft.com/office/drawing/2014/main" id="{6FCDB14D-AB2E-9E4E-BDFF-3B8E55DDD16D}"/>
-              </a:ext>
-            </a:extLst>
-          </p:cNvPr>
-          <p:cNvSpPr>
-            <a:spLocks noChangeArrowheads="1"/>
-          </p:cNvSpPr>
-          <p:nvPr/>
-        </p:nvSpPr>
-        <p:spPr bwMode="auto">
-          <a:xfrm>
-            <a:off x="0" y="0"/>
-            <a:ext cx="12192000" cy="457200"/>
-          </a:xfrm>
-          <a:prstGeom prst="rect">
-            <a:avLst/>
-          </a:prstGeom>
-          <a:noFill/>
-          <a:ln>
-            <a:noFill/>
-          </a:ln>
-          <a:effectLst/>
-          <a:extLst>
-            <a:ext uri="{909E8E84-426E-40DD-AFC4-6F175D3DCCD1}">
-              <a14:hiddenFill xmlns:a14="http://schemas.microsoft.com/office/drawing/2010/main">
-                <a:solidFill>
-                  <a:schemeClr val="accent1"/>
-                </a:solidFill>
-              </a14:hiddenFill>
-            </a:ext>
-            <a:ext uri="{91240B29-F687-4F45-9708-019B960494DF}">
-              <a14:hiddenLine xmlns:a14="http://schemas.microsoft.com/office/drawing/2010/main" w="9525">
-                <a:solidFill>
-                  <a:schemeClr val="tx1"/>
-                </a:solidFill>
-                <a:miter lim="800000"/>
-                <a:headEnd/>
-                <a:tailEnd/>
-              </a14:hiddenLine>
-            </a:ext>
-            <a:ext uri="{AF507438-7753-43E0-B8FC-AC1667EBCBE1}">
-              <a14:hiddenEffects xmlns:a14="http://schemas.microsoft.com/office/drawing/2010/main">
-                <a:effectLst>
-                  <a:outerShdw dist="35921" dir="2700000" algn="ctr" rotWithShape="0">
-                    <a:schemeClr val="bg2"/>
-                  </a:outerShdw>
-                </a:effectLst>
-              </a14:hiddenEffects>
-            </a:ext>
-          </a:extLst>
-        </p:spPr>
-        <p:txBody>
-          <a:bodyPr vert="horz" wrap="none" lIns="91440" tIns="45720" rIns="91440" bIns="45720" numCol="1" anchor="ctr" anchorCtr="0" compatLnSpc="1">
-            <a:prstTxWarp prst="textNoShape">
-              <a:avLst/>
-            </a:prstTxWarp>
-            <a:spAutoFit/>
-          </a:bodyPr>
-          <a:lstStyle/>
-          <a:p>
-            <a:endParaRPr lang="en-US"/>
-          </a:p>
-        </p:txBody>
-      </p:sp>
+                </a14:hiddenFill>
+              </a:ext>
+            </a:extLst>
+          </p:spPr>
+          <p:txBody>
+            <a:bodyPr vert="horz" wrap="square" lIns="91440" tIns="45720" rIns="91440" bIns="45720" numCol="1" anchor="t" anchorCtr="0" compatLnSpc="1">
+              <a:prstTxWarp prst="textNoShape">
+                <a:avLst/>
+              </a:prstTxWarp>
+            </a:bodyPr>
+            <a:lstStyle/>
+            <a:p>
+              <a:endParaRPr lang="en-US" sz="4400"/>
+            </a:p>
+          </p:txBody>
+        </p:sp>
+      </p:grpSp>
     </p:spTree>
     <p:extLst>
       <p:ext uri="{BB962C8B-B14F-4D97-AF65-F5344CB8AC3E}">
